--- a/docs/EquipmentSetup/OwlcmsCloud/CloudExplained.pptx
+++ b/docs/EquipmentSetup/OwlcmsCloud/CloudExplained.pptx
@@ -5,9 +5,10 @@
     <p:sldMasterId id="2147483648" r:id="rId1"/>
   </p:sldMasterIdLst>
   <p:sldIdLst>
-    <p:sldId id="259" r:id="rId2"/>
-    <p:sldId id="261" r:id="rId3"/>
-    <p:sldId id="260" r:id="rId4"/>
+    <p:sldId id="264" r:id="rId2"/>
+    <p:sldId id="263" r:id="rId3"/>
+    <p:sldId id="262" r:id="rId4"/>
+    <p:sldId id="265" r:id="rId5"/>
   </p:sldIdLst>
   <p:sldSz cx="12192000" cy="6858000"/>
   <p:notesSz cx="6858000" cy="9144000"/>
@@ -274,7 +275,7 @@
           <a:p>
             <a:fld id="{DFF2FBC3-E573-4B2D-B1C4-960EEBA08826}" type="datetimeFigureOut">
               <a:rPr lang="fr-CA" smtClean="0"/>
-              <a:t>2024-01-10</a:t>
+              <a:t>2024-01-15</a:t>
             </a:fld>
             <a:endParaRPr lang="fr-CA"/>
           </a:p>
@@ -474,7 +475,7 @@
           <a:p>
             <a:fld id="{DFF2FBC3-E573-4B2D-B1C4-960EEBA08826}" type="datetimeFigureOut">
               <a:rPr lang="fr-CA" smtClean="0"/>
-              <a:t>2024-01-10</a:t>
+              <a:t>2024-01-15</a:t>
             </a:fld>
             <a:endParaRPr lang="fr-CA"/>
           </a:p>
@@ -684,7 +685,7 @@
           <a:p>
             <a:fld id="{DFF2FBC3-E573-4B2D-B1C4-960EEBA08826}" type="datetimeFigureOut">
               <a:rPr lang="fr-CA" smtClean="0"/>
-              <a:t>2024-01-10</a:t>
+              <a:t>2024-01-15</a:t>
             </a:fld>
             <a:endParaRPr lang="fr-CA"/>
           </a:p>
@@ -884,7 +885,7 @@
           <a:p>
             <a:fld id="{DFF2FBC3-E573-4B2D-B1C4-960EEBA08826}" type="datetimeFigureOut">
               <a:rPr lang="fr-CA" smtClean="0"/>
-              <a:t>2024-01-10</a:t>
+              <a:t>2024-01-15</a:t>
             </a:fld>
             <a:endParaRPr lang="fr-CA"/>
           </a:p>
@@ -1160,7 +1161,7 @@
           <a:p>
             <a:fld id="{DFF2FBC3-E573-4B2D-B1C4-960EEBA08826}" type="datetimeFigureOut">
               <a:rPr lang="fr-CA" smtClean="0"/>
-              <a:t>2024-01-10</a:t>
+              <a:t>2024-01-15</a:t>
             </a:fld>
             <a:endParaRPr lang="fr-CA"/>
           </a:p>
@@ -1428,7 +1429,7 @@
           <a:p>
             <a:fld id="{DFF2FBC3-E573-4B2D-B1C4-960EEBA08826}" type="datetimeFigureOut">
               <a:rPr lang="fr-CA" smtClean="0"/>
-              <a:t>2024-01-10</a:t>
+              <a:t>2024-01-15</a:t>
             </a:fld>
             <a:endParaRPr lang="fr-CA"/>
           </a:p>
@@ -1843,7 +1844,7 @@
           <a:p>
             <a:fld id="{DFF2FBC3-E573-4B2D-B1C4-960EEBA08826}" type="datetimeFigureOut">
               <a:rPr lang="fr-CA" smtClean="0"/>
-              <a:t>2024-01-10</a:t>
+              <a:t>2024-01-15</a:t>
             </a:fld>
             <a:endParaRPr lang="fr-CA"/>
           </a:p>
@@ -1985,7 +1986,7 @@
           <a:p>
             <a:fld id="{DFF2FBC3-E573-4B2D-B1C4-960EEBA08826}" type="datetimeFigureOut">
               <a:rPr lang="fr-CA" smtClean="0"/>
-              <a:t>2024-01-10</a:t>
+              <a:t>2024-01-15</a:t>
             </a:fld>
             <a:endParaRPr lang="fr-CA"/>
           </a:p>
@@ -2098,7 +2099,7 @@
           <a:p>
             <a:fld id="{DFF2FBC3-E573-4B2D-B1C4-960EEBA08826}" type="datetimeFigureOut">
               <a:rPr lang="fr-CA" smtClean="0"/>
-              <a:t>2024-01-10</a:t>
+              <a:t>2024-01-15</a:t>
             </a:fld>
             <a:endParaRPr lang="fr-CA"/>
           </a:p>
@@ -2411,7 +2412,7 @@
           <a:p>
             <a:fld id="{DFF2FBC3-E573-4B2D-B1C4-960EEBA08826}" type="datetimeFigureOut">
               <a:rPr lang="fr-CA" smtClean="0"/>
-              <a:t>2024-01-10</a:t>
+              <a:t>2024-01-15</a:t>
             </a:fld>
             <a:endParaRPr lang="fr-CA"/>
           </a:p>
@@ -2700,7 +2701,7 @@
           <a:p>
             <a:fld id="{DFF2FBC3-E573-4B2D-B1C4-960EEBA08826}" type="datetimeFigureOut">
               <a:rPr lang="fr-CA" smtClean="0"/>
-              <a:t>2024-01-10</a:t>
+              <a:t>2024-01-15</a:t>
             </a:fld>
             <a:endParaRPr lang="fr-CA"/>
           </a:p>
@@ -2943,7 +2944,7 @@
           <a:p>
             <a:fld id="{DFF2FBC3-E573-4B2D-B1C4-960EEBA08826}" type="datetimeFigureOut">
               <a:rPr lang="fr-CA" smtClean="0"/>
-              <a:t>2024-01-10</a:t>
+              <a:t>2024-01-15</a:t>
             </a:fld>
             <a:endParaRPr lang="fr-CA"/>
           </a:p>
@@ -3430,7 +3431,7 @@
         </p:blipFill>
         <p:spPr>
           <a:xfrm>
-            <a:off x="1502632" y="2811608"/>
+            <a:off x="1166210" y="2811608"/>
             <a:ext cx="457200" cy="457200"/>
           </a:xfrm>
           <a:prstGeom prst="rect">
@@ -3469,7 +3470,7 @@
         </p:blipFill>
         <p:spPr>
           <a:xfrm>
-            <a:off x="2353445" y="2811608"/>
+            <a:off x="1602953" y="2811608"/>
             <a:ext cx="457200" cy="457200"/>
           </a:xfrm>
           <a:prstGeom prst="rect">
@@ -3477,693 +3478,12 @@
           </a:prstGeom>
         </p:spPr>
       </p:pic>
-      <p:pic>
-        <p:nvPicPr>
-          <p:cNvPr id="42" name="Graphic 41" descr="Laptop">
-            <a:extLst>
-              <a:ext uri="{FF2B5EF4-FFF2-40B4-BE49-F238E27FC236}">
-                <a16:creationId xmlns:a16="http://schemas.microsoft.com/office/drawing/2014/main" id="{30258E07-778B-4C23-82CB-8374A76FC366}"/>
-              </a:ext>
-            </a:extLst>
-          </p:cNvPr>
-          <p:cNvPicPr>
-            <a:picLocks noChangeAspect="1"/>
-          </p:cNvPicPr>
-          <p:nvPr/>
-        </p:nvPicPr>
-        <p:blipFill>
-          <a:blip r:embed="rId4">
-            <a:extLst>
-              <a:ext uri="{28A0092B-C50C-407E-A947-70E740481C1C}">
-                <a14:useLocalDpi xmlns:a14="http://schemas.microsoft.com/office/drawing/2010/main" val="0"/>
-              </a:ext>
-              <a:ext uri="{96DAC541-7B7A-43D3-8B79-37D633B846F1}">
-                <asvg:svgBlip xmlns:asvg="http://schemas.microsoft.com/office/drawing/2016/SVG/main" r:embed="rId5"/>
-              </a:ext>
-            </a:extLst>
-          </a:blip>
-          <a:stretch>
-            <a:fillRect/>
-          </a:stretch>
-        </p:blipFill>
-        <p:spPr>
-          <a:xfrm>
-            <a:off x="869972" y="4073656"/>
-            <a:ext cx="914400" cy="914400"/>
-          </a:xfrm>
-          <a:prstGeom prst="rect">
-            <a:avLst/>
-          </a:prstGeom>
-        </p:spPr>
-      </p:pic>
-      <p:cxnSp>
-        <p:nvCxnSpPr>
-          <p:cNvPr id="67" name="Connector: Curved 66">
-            <a:extLst>
-              <a:ext uri="{FF2B5EF4-FFF2-40B4-BE49-F238E27FC236}">
-                <a16:creationId xmlns:a16="http://schemas.microsoft.com/office/drawing/2014/main" id="{3CC4C0E7-8A33-456E-AB9A-19F7E746862F}"/>
-              </a:ext>
-            </a:extLst>
-          </p:cNvPr>
-          <p:cNvCxnSpPr>
-            <a:cxnSpLocks/>
-            <a:stCxn id="19" idx="2"/>
-          </p:cNvCxnSpPr>
-          <p:nvPr/>
-        </p:nvCxnSpPr>
-        <p:spPr>
-          <a:xfrm rot="16200000" flipH="1">
-            <a:off x="3439052" y="2411801"/>
-            <a:ext cx="744724" cy="2458738"/>
-          </a:xfrm>
-          <a:prstGeom prst="curvedConnector2">
-            <a:avLst/>
-          </a:prstGeom>
-          <a:ln>
-            <a:headEnd type="triangle"/>
-            <a:tailEnd type="triangle"/>
-          </a:ln>
-        </p:spPr>
-        <p:style>
-          <a:lnRef idx="1">
-            <a:schemeClr val="accent1"/>
-          </a:lnRef>
-          <a:fillRef idx="0">
-            <a:schemeClr val="accent1"/>
-          </a:fillRef>
-          <a:effectRef idx="0">
-            <a:schemeClr val="accent1"/>
-          </a:effectRef>
-          <a:fontRef idx="minor">
-            <a:schemeClr val="tx1"/>
-          </a:fontRef>
-        </p:style>
-      </p:cxnSp>
-      <p:cxnSp>
-        <p:nvCxnSpPr>
-          <p:cNvPr id="69" name="Connector: Curved 68">
-            <a:extLst>
-              <a:ext uri="{FF2B5EF4-FFF2-40B4-BE49-F238E27FC236}">
-                <a16:creationId xmlns:a16="http://schemas.microsoft.com/office/drawing/2014/main" id="{B868B35F-7240-464D-8632-09E3BE0AA964}"/>
-              </a:ext>
-            </a:extLst>
-          </p:cNvPr>
-          <p:cNvCxnSpPr>
-            <a:cxnSpLocks/>
-            <a:stCxn id="18" idx="2"/>
-          </p:cNvCxnSpPr>
-          <p:nvPr/>
-        </p:nvCxnSpPr>
-        <p:spPr>
-          <a:xfrm rot="16200000" flipH="1">
-            <a:off x="3013645" y="1986394"/>
-            <a:ext cx="744725" cy="3309551"/>
-          </a:xfrm>
-          <a:prstGeom prst="curvedConnector2">
-            <a:avLst/>
-          </a:prstGeom>
-          <a:ln>
-            <a:headEnd type="triangle"/>
-            <a:tailEnd type="triangle"/>
-          </a:ln>
-        </p:spPr>
-        <p:style>
-          <a:lnRef idx="1">
-            <a:schemeClr val="accent1"/>
-          </a:lnRef>
-          <a:fillRef idx="0">
-            <a:schemeClr val="accent1"/>
-          </a:fillRef>
-          <a:effectRef idx="0">
-            <a:schemeClr val="accent1"/>
-          </a:effectRef>
-          <a:fontRef idx="minor">
-            <a:schemeClr val="tx1"/>
-          </a:fontRef>
-        </p:style>
-      </p:cxnSp>
-      <p:cxnSp>
-        <p:nvCxnSpPr>
-          <p:cNvPr id="71" name="Connector: Curved 70">
-            <a:extLst>
-              <a:ext uri="{FF2B5EF4-FFF2-40B4-BE49-F238E27FC236}">
-                <a16:creationId xmlns:a16="http://schemas.microsoft.com/office/drawing/2014/main" id="{F4029B8D-7D2F-4A22-8BE2-A243426A9C77}"/>
-              </a:ext>
-            </a:extLst>
-          </p:cNvPr>
-          <p:cNvCxnSpPr>
-            <a:cxnSpLocks/>
-            <a:stCxn id="15" idx="2"/>
-          </p:cNvCxnSpPr>
-          <p:nvPr/>
-        </p:nvCxnSpPr>
-        <p:spPr>
-          <a:xfrm rot="16200000" flipH="1">
-            <a:off x="2588240" y="1560987"/>
-            <a:ext cx="744725" cy="4160366"/>
-          </a:xfrm>
-          <a:prstGeom prst="curvedConnector2">
-            <a:avLst/>
-          </a:prstGeom>
-          <a:ln>
-            <a:headEnd type="triangle"/>
-            <a:tailEnd type="triangle"/>
-          </a:ln>
-        </p:spPr>
-        <p:style>
-          <a:lnRef idx="1">
-            <a:schemeClr val="accent1"/>
-          </a:lnRef>
-          <a:fillRef idx="0">
-            <a:schemeClr val="accent1"/>
-          </a:fillRef>
-          <a:effectRef idx="0">
-            <a:schemeClr val="accent1"/>
-          </a:effectRef>
-          <a:fontRef idx="minor">
-            <a:schemeClr val="tx1"/>
-          </a:fontRef>
-        </p:style>
-      </p:cxnSp>
-      <p:cxnSp>
-        <p:nvCxnSpPr>
-          <p:cNvPr id="76" name="Connector: Curved 75">
-            <a:extLst>
-              <a:ext uri="{FF2B5EF4-FFF2-40B4-BE49-F238E27FC236}">
-                <a16:creationId xmlns:a16="http://schemas.microsoft.com/office/drawing/2014/main" id="{B0E96370-52C4-45E3-ABB7-F38BD45E9E71}"/>
-              </a:ext>
-            </a:extLst>
-          </p:cNvPr>
-          <p:cNvCxnSpPr>
-            <a:cxnSpLocks/>
-            <a:stCxn id="42" idx="3"/>
-          </p:cNvCxnSpPr>
-          <p:nvPr/>
-        </p:nvCxnSpPr>
-        <p:spPr>
-          <a:xfrm flipV="1">
-            <a:off x="1784372" y="4013533"/>
-            <a:ext cx="3256411" cy="517323"/>
-          </a:xfrm>
-          <a:prstGeom prst="curvedConnector3">
-            <a:avLst>
-              <a:gd name="adj1" fmla="val 50000"/>
-            </a:avLst>
-          </a:prstGeom>
-          <a:ln>
-            <a:headEnd type="triangle"/>
-            <a:tailEnd type="triangle"/>
-          </a:ln>
-        </p:spPr>
-        <p:style>
-          <a:lnRef idx="1">
-            <a:schemeClr val="accent1"/>
-          </a:lnRef>
-          <a:fillRef idx="0">
-            <a:schemeClr val="accent1"/>
-          </a:fillRef>
-          <a:effectRef idx="0">
-            <a:schemeClr val="accent1"/>
-          </a:effectRef>
-          <a:fontRef idx="minor">
-            <a:schemeClr val="tx1"/>
-          </a:fontRef>
-        </p:style>
-      </p:cxnSp>
-      <p:cxnSp>
-        <p:nvCxnSpPr>
-          <p:cNvPr id="121" name="Connector: Curved 120">
-            <a:extLst>
-              <a:ext uri="{FF2B5EF4-FFF2-40B4-BE49-F238E27FC236}">
-                <a16:creationId xmlns:a16="http://schemas.microsoft.com/office/drawing/2014/main" id="{7F9B236A-46B9-4CAA-9E1E-846355322AEF}"/>
-              </a:ext>
-            </a:extLst>
-          </p:cNvPr>
-          <p:cNvCxnSpPr>
-            <a:cxnSpLocks/>
-          </p:cNvCxnSpPr>
-          <p:nvPr/>
-        </p:nvCxnSpPr>
-        <p:spPr>
-          <a:xfrm rot="16200000" flipV="1">
-            <a:off x="2610600" y="668950"/>
-            <a:ext cx="1776328" cy="3998439"/>
-          </a:xfrm>
-          <a:prstGeom prst="curvedConnector3">
-            <a:avLst>
-              <a:gd name="adj1" fmla="val 50000"/>
-            </a:avLst>
-          </a:prstGeom>
-          <a:ln>
-            <a:tailEnd type="triangle"/>
-          </a:ln>
-        </p:spPr>
-        <p:style>
-          <a:lnRef idx="1">
-            <a:schemeClr val="accent1"/>
-          </a:lnRef>
-          <a:fillRef idx="0">
-            <a:schemeClr val="accent1"/>
-          </a:fillRef>
-          <a:effectRef idx="0">
-            <a:schemeClr val="accent1"/>
-          </a:effectRef>
-          <a:fontRef idx="minor">
-            <a:schemeClr val="tx1"/>
-          </a:fontRef>
-        </p:style>
-      </p:cxnSp>
-      <p:cxnSp>
-        <p:nvCxnSpPr>
-          <p:cNvPr id="124" name="Connector: Curved 123">
-            <a:extLst>
-              <a:ext uri="{FF2B5EF4-FFF2-40B4-BE49-F238E27FC236}">
-                <a16:creationId xmlns:a16="http://schemas.microsoft.com/office/drawing/2014/main" id="{53FE312B-72AD-4E57-A253-2FFF7B5C59D1}"/>
-              </a:ext>
-            </a:extLst>
-          </p:cNvPr>
-          <p:cNvCxnSpPr>
-            <a:cxnSpLocks/>
-          </p:cNvCxnSpPr>
-          <p:nvPr/>
-        </p:nvCxnSpPr>
-        <p:spPr>
-          <a:xfrm rot="16200000" flipV="1">
-            <a:off x="3234876" y="1293226"/>
-            <a:ext cx="1772202" cy="2754013"/>
-          </a:xfrm>
-          <a:prstGeom prst="curvedConnector3">
-            <a:avLst>
-              <a:gd name="adj1" fmla="val 59137"/>
-            </a:avLst>
-          </a:prstGeom>
-          <a:ln>
-            <a:tailEnd type="triangle"/>
-          </a:ln>
-        </p:spPr>
-        <p:style>
-          <a:lnRef idx="1">
-            <a:schemeClr val="accent1"/>
-          </a:lnRef>
-          <a:fillRef idx="0">
-            <a:schemeClr val="accent1"/>
-          </a:fillRef>
-          <a:effectRef idx="0">
-            <a:schemeClr val="accent1"/>
-          </a:effectRef>
-          <a:fontRef idx="minor">
-            <a:schemeClr val="tx1"/>
-          </a:fontRef>
-        </p:style>
-      </p:cxnSp>
-      <p:sp>
-        <p:nvSpPr>
-          <p:cNvPr id="127" name="TextBox 126">
-            <a:extLst>
-              <a:ext uri="{FF2B5EF4-FFF2-40B4-BE49-F238E27FC236}">
-                <a16:creationId xmlns:a16="http://schemas.microsoft.com/office/drawing/2014/main" id="{A47218F2-E193-4C56-B84B-B091AAEC9625}"/>
-              </a:ext>
-            </a:extLst>
-          </p:cNvPr>
-          <p:cNvSpPr txBox="1"/>
-          <p:nvPr/>
-        </p:nvSpPr>
-        <p:spPr>
-          <a:xfrm>
-            <a:off x="1522316" y="1527054"/>
-            <a:ext cx="1343573" cy="369332"/>
-          </a:xfrm>
-          <a:prstGeom prst="rect">
-            <a:avLst/>
-          </a:prstGeom>
-          <a:noFill/>
-        </p:spPr>
-        <p:txBody>
-          <a:bodyPr wrap="none" rtlCol="0">
-            <a:spAutoFit/>
-          </a:bodyPr>
-          <a:lstStyle/>
-          <a:p>
-            <a:r>
-              <a:rPr lang="en-US" dirty="0"/>
-              <a:t>Scoreboards</a:t>
-            </a:r>
-          </a:p>
-        </p:txBody>
-      </p:sp>
-      <p:sp>
-        <p:nvSpPr>
-          <p:cNvPr id="128" name="TextBox 127">
-            <a:extLst>
-              <a:ext uri="{FF2B5EF4-FFF2-40B4-BE49-F238E27FC236}">
-                <a16:creationId xmlns:a16="http://schemas.microsoft.com/office/drawing/2014/main" id="{AE1A24CB-D856-4574-A0B7-39AB7B963F94}"/>
-              </a:ext>
-            </a:extLst>
-          </p:cNvPr>
-          <p:cNvSpPr txBox="1"/>
-          <p:nvPr/>
-        </p:nvSpPr>
-        <p:spPr>
-          <a:xfrm>
-            <a:off x="2789689" y="2745617"/>
-            <a:ext cx="1444626" cy="646331"/>
-          </a:xfrm>
-          <a:prstGeom prst="rect">
-            <a:avLst/>
-          </a:prstGeom>
-          <a:noFill/>
-        </p:spPr>
-        <p:txBody>
-          <a:bodyPr wrap="none" rtlCol="0">
-            <a:spAutoFit/>
-          </a:bodyPr>
-          <a:lstStyle/>
-          <a:p>
-            <a:r>
-              <a:rPr lang="en-US" dirty="0"/>
-              <a:t>Referee</a:t>
-            </a:r>
-            <a:br>
-              <a:rPr lang="en-US" dirty="0"/>
-            </a:br>
-            <a:r>
-              <a:rPr lang="en-US" dirty="0"/>
-              <a:t>Phone/Tablet</a:t>
-            </a:r>
-          </a:p>
-        </p:txBody>
-      </p:sp>
-      <p:sp>
-        <p:nvSpPr>
-          <p:cNvPr id="129" name="TextBox 128">
-            <a:extLst>
-              <a:ext uri="{FF2B5EF4-FFF2-40B4-BE49-F238E27FC236}">
-                <a16:creationId xmlns:a16="http://schemas.microsoft.com/office/drawing/2014/main" id="{BE5E34C6-8717-433B-8843-E4B12A7C146D}"/>
-              </a:ext>
-            </a:extLst>
-          </p:cNvPr>
-          <p:cNvSpPr txBox="1"/>
-          <p:nvPr/>
-        </p:nvSpPr>
-        <p:spPr>
-          <a:xfrm>
-            <a:off x="851843" y="4765759"/>
-            <a:ext cx="943720" cy="369332"/>
-          </a:xfrm>
-          <a:prstGeom prst="rect">
-            <a:avLst/>
-          </a:prstGeom>
-          <a:noFill/>
-        </p:spPr>
-        <p:txBody>
-          <a:bodyPr wrap="none" rtlCol="0">
-            <a:spAutoFit/>
-          </a:bodyPr>
-          <a:lstStyle/>
-          <a:p>
-            <a:r>
-              <a:rPr lang="en-US" dirty="0"/>
-              <a:t>Marshal</a:t>
-            </a:r>
-          </a:p>
-        </p:txBody>
-      </p:sp>
-      <p:sp>
-        <p:nvSpPr>
-          <p:cNvPr id="130" name="TextBox 129">
-            <a:extLst>
-              <a:ext uri="{FF2B5EF4-FFF2-40B4-BE49-F238E27FC236}">
-                <a16:creationId xmlns:a16="http://schemas.microsoft.com/office/drawing/2014/main" id="{51255E3D-D65B-44CD-BE13-9BD3F23D006B}"/>
-              </a:ext>
-            </a:extLst>
-          </p:cNvPr>
-          <p:cNvSpPr txBox="1"/>
-          <p:nvPr/>
-        </p:nvSpPr>
-        <p:spPr>
-          <a:xfrm>
-            <a:off x="2255786" y="5288212"/>
-            <a:ext cx="1220206" cy="369332"/>
-          </a:xfrm>
-          <a:prstGeom prst="rect">
-            <a:avLst/>
-          </a:prstGeom>
-          <a:noFill/>
-        </p:spPr>
-        <p:txBody>
-          <a:bodyPr wrap="none" rtlCol="0">
-            <a:spAutoFit/>
-          </a:bodyPr>
-          <a:lstStyle/>
-          <a:p>
-            <a:r>
-              <a:rPr lang="en-US" dirty="0"/>
-              <a:t>Announcer</a:t>
-            </a:r>
-          </a:p>
-        </p:txBody>
-      </p:sp>
-      <p:sp>
-        <p:nvSpPr>
-          <p:cNvPr id="138" name="TextBox 137">
-            <a:extLst>
-              <a:ext uri="{FF2B5EF4-FFF2-40B4-BE49-F238E27FC236}">
-                <a16:creationId xmlns:a16="http://schemas.microsoft.com/office/drawing/2014/main" id="{79F9B87A-2C2D-43BA-8A3D-63A48FBE7D79}"/>
-              </a:ext>
-            </a:extLst>
-          </p:cNvPr>
-          <p:cNvSpPr txBox="1"/>
-          <p:nvPr/>
-        </p:nvSpPr>
-        <p:spPr>
-          <a:xfrm>
-            <a:off x="5040201" y="4332661"/>
-            <a:ext cx="895502" cy="369332"/>
-          </a:xfrm>
-          <a:prstGeom prst="rect">
-            <a:avLst/>
-          </a:prstGeom>
-          <a:noFill/>
-        </p:spPr>
-        <p:txBody>
-          <a:bodyPr wrap="none" rtlCol="0">
-            <a:spAutoFit/>
-          </a:bodyPr>
-          <a:lstStyle/>
-          <a:p>
-            <a:r>
-              <a:rPr lang="en-US" dirty="0"/>
-              <a:t>owlcms</a:t>
-            </a:r>
-          </a:p>
-        </p:txBody>
-      </p:sp>
-      <p:cxnSp>
-        <p:nvCxnSpPr>
-          <p:cNvPr id="140" name="Connector: Curved 139">
-            <a:extLst>
-              <a:ext uri="{FF2B5EF4-FFF2-40B4-BE49-F238E27FC236}">
-                <a16:creationId xmlns:a16="http://schemas.microsoft.com/office/drawing/2014/main" id="{0CD263EB-083B-46BB-903A-85F2EB299A85}"/>
-              </a:ext>
-            </a:extLst>
-          </p:cNvPr>
-          <p:cNvCxnSpPr>
-            <a:cxnSpLocks/>
-          </p:cNvCxnSpPr>
-          <p:nvPr/>
-        </p:nvCxnSpPr>
-        <p:spPr>
-          <a:xfrm flipV="1">
-            <a:off x="3267845" y="4013533"/>
-            <a:ext cx="1772938" cy="1080667"/>
-          </a:xfrm>
-          <a:prstGeom prst="curvedConnector3">
-            <a:avLst>
-              <a:gd name="adj1" fmla="val 50000"/>
-            </a:avLst>
-          </a:prstGeom>
-          <a:ln>
-            <a:headEnd type="triangle"/>
-            <a:tailEnd type="triangle"/>
-          </a:ln>
-        </p:spPr>
-        <p:style>
-          <a:lnRef idx="1">
-            <a:schemeClr val="accent1"/>
-          </a:lnRef>
-          <a:fillRef idx="0">
-            <a:schemeClr val="accent1"/>
-          </a:fillRef>
-          <a:effectRef idx="0">
-            <a:schemeClr val="accent1"/>
-          </a:effectRef>
-          <a:fontRef idx="minor">
-            <a:schemeClr val="tx1"/>
-          </a:fontRef>
-        </p:style>
-      </p:cxnSp>
-      <p:pic>
-        <p:nvPicPr>
-          <p:cNvPr id="49" name="Graphic 48" descr="Server">
-            <a:extLst>
-              <a:ext uri="{FF2B5EF4-FFF2-40B4-BE49-F238E27FC236}">
-                <a16:creationId xmlns:a16="http://schemas.microsoft.com/office/drawing/2014/main" id="{E5583103-0F3E-743D-4A4F-8E7E7344FB05}"/>
-              </a:ext>
-            </a:extLst>
-          </p:cNvPr>
-          <p:cNvPicPr>
-            <a:picLocks noChangeAspect="1"/>
-          </p:cNvPicPr>
-          <p:nvPr/>
-        </p:nvPicPr>
-        <p:blipFill>
-          <a:blip r:embed="rId6">
-            <a:extLst>
-              <a:ext uri="{28A0092B-C50C-407E-A947-70E740481C1C}">
-                <a14:useLocalDpi xmlns:a14="http://schemas.microsoft.com/office/drawing/2010/main" val="0"/>
-              </a:ext>
-              <a:ext uri="{96DAC541-7B7A-43D3-8B79-37D633B846F1}">
-                <asvg:svgBlip xmlns:asvg="http://schemas.microsoft.com/office/drawing/2016/SVG/main" r:embed="rId7"/>
-              </a:ext>
-            </a:extLst>
-          </a:blip>
-          <a:stretch>
-            <a:fillRect/>
-          </a:stretch>
-        </p:blipFill>
-        <p:spPr>
-          <a:xfrm>
-            <a:off x="5039275" y="3599653"/>
-            <a:ext cx="914400" cy="914400"/>
-          </a:xfrm>
-          <a:prstGeom prst="rect">
-            <a:avLst/>
-          </a:prstGeom>
-        </p:spPr>
-      </p:pic>
-      <p:pic>
-        <p:nvPicPr>
-          <p:cNvPr id="51" name="Graphic 50" descr="Laptop">
-            <a:extLst>
-              <a:ext uri="{FF2B5EF4-FFF2-40B4-BE49-F238E27FC236}">
-                <a16:creationId xmlns:a16="http://schemas.microsoft.com/office/drawing/2014/main" id="{A8C128B9-2F5C-662F-6DB5-EA640659F291}"/>
-              </a:ext>
-            </a:extLst>
-          </p:cNvPr>
-          <p:cNvPicPr>
-            <a:picLocks noChangeAspect="1"/>
-          </p:cNvPicPr>
-          <p:nvPr/>
-        </p:nvPicPr>
-        <p:blipFill>
-          <a:blip r:embed="rId8">
-            <a:extLst>
-              <a:ext uri="{28A0092B-C50C-407E-A947-70E740481C1C}">
-                <a14:useLocalDpi xmlns:a14="http://schemas.microsoft.com/office/drawing/2010/main" val="0"/>
-              </a:ext>
-              <a:ext uri="{96DAC541-7B7A-43D3-8B79-37D633B846F1}">
-                <asvg:svgBlip xmlns:asvg="http://schemas.microsoft.com/office/drawing/2016/SVG/main" r:embed="rId9"/>
-              </a:ext>
-            </a:extLst>
-          </a:blip>
-          <a:stretch>
-            <a:fillRect/>
-          </a:stretch>
-        </p:blipFill>
-        <p:spPr>
-          <a:xfrm>
-            <a:off x="2411025" y="4651135"/>
-            <a:ext cx="914400" cy="914400"/>
-          </a:xfrm>
-          <a:prstGeom prst="rect">
-            <a:avLst/>
-          </a:prstGeom>
-        </p:spPr>
-      </p:pic>
-      <p:pic>
-        <p:nvPicPr>
-          <p:cNvPr id="52" name="Graphic 51" descr="Laptop">
-            <a:extLst>
-              <a:ext uri="{FF2B5EF4-FFF2-40B4-BE49-F238E27FC236}">
-                <a16:creationId xmlns:a16="http://schemas.microsoft.com/office/drawing/2014/main" id="{BE03494D-48F4-A347-0BEF-5BC01EC48D00}"/>
-              </a:ext>
-            </a:extLst>
-          </p:cNvPr>
-          <p:cNvPicPr>
-            <a:picLocks noChangeAspect="1"/>
-          </p:cNvPicPr>
-          <p:nvPr/>
-        </p:nvPicPr>
-        <p:blipFill>
-          <a:blip r:embed="rId4">
-            <a:extLst>
-              <a:ext uri="{28A0092B-C50C-407E-A947-70E740481C1C}">
-                <a14:useLocalDpi xmlns:a14="http://schemas.microsoft.com/office/drawing/2010/main" val="0"/>
-              </a:ext>
-              <a:ext uri="{96DAC541-7B7A-43D3-8B79-37D633B846F1}">
-                <asvg:svgBlip xmlns:asvg="http://schemas.microsoft.com/office/drawing/2016/SVG/main" r:embed="rId5"/>
-              </a:ext>
-            </a:extLst>
-          </a:blip>
-          <a:stretch>
-            <a:fillRect/>
-          </a:stretch>
-        </p:blipFill>
-        <p:spPr>
-          <a:xfrm>
-            <a:off x="1110219" y="864783"/>
-            <a:ext cx="914400" cy="914400"/>
-          </a:xfrm>
-          <a:prstGeom prst="rect">
-            <a:avLst/>
-          </a:prstGeom>
-        </p:spPr>
-      </p:pic>
-      <p:pic>
-        <p:nvPicPr>
-          <p:cNvPr id="53" name="Graphic 52" descr="Laptop">
-            <a:extLst>
-              <a:ext uri="{FF2B5EF4-FFF2-40B4-BE49-F238E27FC236}">
-                <a16:creationId xmlns:a16="http://schemas.microsoft.com/office/drawing/2014/main" id="{F38B6777-7816-A8E9-7C01-1E76F0E06ACF}"/>
-              </a:ext>
-            </a:extLst>
-          </p:cNvPr>
-          <p:cNvPicPr>
-            <a:picLocks noChangeAspect="1"/>
-          </p:cNvPicPr>
-          <p:nvPr/>
-        </p:nvPicPr>
-        <p:blipFill>
-          <a:blip r:embed="rId4">
-            <a:extLst>
-              <a:ext uri="{28A0092B-C50C-407E-A947-70E740481C1C}">
-                <a14:useLocalDpi xmlns:a14="http://schemas.microsoft.com/office/drawing/2010/main" val="0"/>
-              </a:ext>
-              <a:ext uri="{96DAC541-7B7A-43D3-8B79-37D633B846F1}">
-                <asvg:svgBlip xmlns:asvg="http://schemas.microsoft.com/office/drawing/2016/SVG/main" r:embed="rId5"/>
-              </a:ext>
-            </a:extLst>
-          </a:blip>
-          <a:stretch>
-            <a:fillRect/>
-          </a:stretch>
-        </p:blipFill>
-        <p:spPr>
-          <a:xfrm>
-            <a:off x="2398127" y="875842"/>
-            <a:ext cx="914400" cy="914400"/>
-          </a:xfrm>
-          <a:prstGeom prst="rect">
-            <a:avLst/>
-          </a:prstGeom>
-        </p:spPr>
-      </p:pic>
-      <p:sp>
-        <p:nvSpPr>
-          <p:cNvPr id="64" name="Graphic 45" descr="Cloud">
-            <a:extLst>
-              <a:ext uri="{FF2B5EF4-FFF2-40B4-BE49-F238E27FC236}">
-                <a16:creationId xmlns:a16="http://schemas.microsoft.com/office/drawing/2014/main" id="{140B9B51-2CE7-19B7-ABFB-5D30811CB164}"/>
+      <p:sp>
+        <p:nvSpPr>
+          <p:cNvPr id="47" name="Graphic 45" descr="Cloud">
+            <a:extLst>
+              <a:ext uri="{FF2B5EF4-FFF2-40B4-BE49-F238E27FC236}">
+                <a16:creationId xmlns:a16="http://schemas.microsoft.com/office/drawing/2014/main" id="{2C50AF59-EF21-455C-ADD4-67B324FF4541}"/>
               </a:ext>
             </a:extLst>
           </p:cNvPr>
@@ -4172,8 +3492,8 @@
         </p:nvSpPr>
         <p:spPr>
           <a:xfrm>
-            <a:off x="4494174" y="3230706"/>
-            <a:ext cx="2106651" cy="1539278"/>
+            <a:off x="2594809" y="3428999"/>
+            <a:ext cx="1557313" cy="1331621"/>
           </a:xfrm>
           <a:custGeom>
             <a:avLst/>
@@ -4521,12 +3841,349 @@
           </a:p>
         </p:txBody>
       </p:sp>
-      <p:sp>
-        <p:nvSpPr>
-          <p:cNvPr id="65" name="Rectangle 64">
-            <a:extLst>
-              <a:ext uri="{FF2B5EF4-FFF2-40B4-BE49-F238E27FC236}">
-                <a16:creationId xmlns:a16="http://schemas.microsoft.com/office/drawing/2014/main" id="{96261DAD-B9D7-5D5E-8E11-1E34D2045E93}"/>
+      <p:cxnSp>
+        <p:nvCxnSpPr>
+          <p:cNvPr id="67" name="Connector: Curved 66">
+            <a:extLst>
+              <a:ext uri="{FF2B5EF4-FFF2-40B4-BE49-F238E27FC236}">
+                <a16:creationId xmlns:a16="http://schemas.microsoft.com/office/drawing/2014/main" id="{3CC4C0E7-8A33-456E-AB9A-19F7E746862F}"/>
+              </a:ext>
+            </a:extLst>
+          </p:cNvPr>
+          <p:cNvCxnSpPr>
+            <a:cxnSpLocks/>
+            <a:stCxn id="19" idx="2"/>
+          </p:cNvCxnSpPr>
+          <p:nvPr/>
+        </p:nvCxnSpPr>
+        <p:spPr>
+          <a:xfrm rot="16200000" flipH="1">
+            <a:off x="1891668" y="3208692"/>
+            <a:ext cx="844910" cy="965141"/>
+          </a:xfrm>
+          <a:prstGeom prst="curvedConnector2">
+            <a:avLst/>
+          </a:prstGeom>
+          <a:ln>
+            <a:headEnd type="triangle"/>
+            <a:tailEnd type="triangle"/>
+          </a:ln>
+        </p:spPr>
+        <p:style>
+          <a:lnRef idx="1">
+            <a:schemeClr val="accent1"/>
+          </a:lnRef>
+          <a:fillRef idx="0">
+            <a:schemeClr val="accent1"/>
+          </a:fillRef>
+          <a:effectRef idx="0">
+            <a:schemeClr val="accent1"/>
+          </a:effectRef>
+          <a:fontRef idx="minor">
+            <a:schemeClr val="tx1"/>
+          </a:fontRef>
+        </p:style>
+      </p:cxnSp>
+      <p:cxnSp>
+        <p:nvCxnSpPr>
+          <p:cNvPr id="69" name="Connector: Curved 68">
+            <a:extLst>
+              <a:ext uri="{FF2B5EF4-FFF2-40B4-BE49-F238E27FC236}">
+                <a16:creationId xmlns:a16="http://schemas.microsoft.com/office/drawing/2014/main" id="{B868B35F-7240-464D-8632-09E3BE0AA964}"/>
+              </a:ext>
+            </a:extLst>
+          </p:cNvPr>
+          <p:cNvCxnSpPr>
+            <a:cxnSpLocks/>
+            <a:stCxn id="18" idx="2"/>
+          </p:cNvCxnSpPr>
+          <p:nvPr/>
+        </p:nvCxnSpPr>
+        <p:spPr>
+          <a:xfrm rot="16200000" flipH="1">
+            <a:off x="1673297" y="2990321"/>
+            <a:ext cx="844910" cy="1401884"/>
+          </a:xfrm>
+          <a:prstGeom prst="curvedConnector2">
+            <a:avLst/>
+          </a:prstGeom>
+          <a:ln>
+            <a:headEnd type="triangle"/>
+            <a:tailEnd type="triangle"/>
+          </a:ln>
+        </p:spPr>
+        <p:style>
+          <a:lnRef idx="1">
+            <a:schemeClr val="accent1"/>
+          </a:lnRef>
+          <a:fillRef idx="0">
+            <a:schemeClr val="accent1"/>
+          </a:fillRef>
+          <a:effectRef idx="0">
+            <a:schemeClr val="accent1"/>
+          </a:effectRef>
+          <a:fontRef idx="minor">
+            <a:schemeClr val="tx1"/>
+          </a:fontRef>
+        </p:style>
+      </p:cxnSp>
+      <p:cxnSp>
+        <p:nvCxnSpPr>
+          <p:cNvPr id="71" name="Connector: Curved 70">
+            <a:extLst>
+              <a:ext uri="{FF2B5EF4-FFF2-40B4-BE49-F238E27FC236}">
+                <a16:creationId xmlns:a16="http://schemas.microsoft.com/office/drawing/2014/main" id="{F4029B8D-7D2F-4A22-8BE2-A243426A9C77}"/>
+              </a:ext>
+            </a:extLst>
+          </p:cNvPr>
+          <p:cNvCxnSpPr>
+            <a:cxnSpLocks/>
+            <a:stCxn id="15" idx="2"/>
+          </p:cNvCxnSpPr>
+          <p:nvPr/>
+        </p:nvCxnSpPr>
+        <p:spPr>
+          <a:xfrm rot="16200000" flipH="1">
+            <a:off x="1416101" y="2733125"/>
+            <a:ext cx="844910" cy="1916275"/>
+          </a:xfrm>
+          <a:prstGeom prst="curvedConnector2">
+            <a:avLst/>
+          </a:prstGeom>
+          <a:ln>
+            <a:headEnd type="triangle"/>
+            <a:tailEnd type="triangle"/>
+          </a:ln>
+        </p:spPr>
+        <p:style>
+          <a:lnRef idx="1">
+            <a:schemeClr val="accent1"/>
+          </a:lnRef>
+          <a:fillRef idx="0">
+            <a:schemeClr val="accent1"/>
+          </a:fillRef>
+          <a:effectRef idx="0">
+            <a:schemeClr val="accent1"/>
+          </a:effectRef>
+          <a:fontRef idx="minor">
+            <a:schemeClr val="tx1"/>
+          </a:fontRef>
+        </p:style>
+      </p:cxnSp>
+      <p:cxnSp>
+        <p:nvCxnSpPr>
+          <p:cNvPr id="76" name="Connector: Curved 75">
+            <a:extLst>
+              <a:ext uri="{FF2B5EF4-FFF2-40B4-BE49-F238E27FC236}">
+                <a16:creationId xmlns:a16="http://schemas.microsoft.com/office/drawing/2014/main" id="{B0E96370-52C4-45E3-ABB7-F38BD45E9E71}"/>
+              </a:ext>
+            </a:extLst>
+          </p:cNvPr>
+          <p:cNvCxnSpPr>
+            <a:cxnSpLocks/>
+          </p:cNvCxnSpPr>
+          <p:nvPr/>
+        </p:nvCxnSpPr>
+        <p:spPr>
+          <a:xfrm flipV="1">
+            <a:off x="1784372" y="4113718"/>
+            <a:ext cx="1012322" cy="417138"/>
+          </a:xfrm>
+          <a:prstGeom prst="curvedConnector3">
+            <a:avLst>
+              <a:gd name="adj1" fmla="val 50000"/>
+            </a:avLst>
+          </a:prstGeom>
+          <a:ln>
+            <a:headEnd type="triangle"/>
+            <a:tailEnd type="triangle"/>
+          </a:ln>
+        </p:spPr>
+        <p:style>
+          <a:lnRef idx="1">
+            <a:schemeClr val="accent1"/>
+          </a:lnRef>
+          <a:fillRef idx="0">
+            <a:schemeClr val="accent1"/>
+          </a:fillRef>
+          <a:effectRef idx="0">
+            <a:schemeClr val="accent1"/>
+          </a:effectRef>
+          <a:fontRef idx="minor">
+            <a:schemeClr val="tx1"/>
+          </a:fontRef>
+        </p:style>
+      </p:cxnSp>
+      <p:cxnSp>
+        <p:nvCxnSpPr>
+          <p:cNvPr id="121" name="Connector: Curved 120">
+            <a:extLst>
+              <a:ext uri="{FF2B5EF4-FFF2-40B4-BE49-F238E27FC236}">
+                <a16:creationId xmlns:a16="http://schemas.microsoft.com/office/drawing/2014/main" id="{7F9B236A-46B9-4CAA-9E1E-846355322AEF}"/>
+              </a:ext>
+            </a:extLst>
+          </p:cNvPr>
+          <p:cNvCxnSpPr>
+            <a:cxnSpLocks/>
+          </p:cNvCxnSpPr>
+          <p:nvPr/>
+        </p:nvCxnSpPr>
+        <p:spPr>
+          <a:xfrm rot="16200000" flipV="1">
+            <a:off x="1576356" y="2403359"/>
+            <a:ext cx="1909906" cy="716073"/>
+          </a:xfrm>
+          <a:prstGeom prst="curvedConnector3">
+            <a:avLst>
+              <a:gd name="adj1" fmla="val 68518"/>
+            </a:avLst>
+          </a:prstGeom>
+          <a:ln>
+            <a:tailEnd type="triangle"/>
+          </a:ln>
+        </p:spPr>
+        <p:style>
+          <a:lnRef idx="1">
+            <a:schemeClr val="accent1"/>
+          </a:lnRef>
+          <a:fillRef idx="0">
+            <a:schemeClr val="accent1"/>
+          </a:fillRef>
+          <a:effectRef idx="0">
+            <a:schemeClr val="accent1"/>
+          </a:effectRef>
+          <a:fontRef idx="minor">
+            <a:schemeClr val="tx1"/>
+          </a:fontRef>
+        </p:style>
+      </p:cxnSp>
+      <p:cxnSp>
+        <p:nvCxnSpPr>
+          <p:cNvPr id="124" name="Connector: Curved 123">
+            <a:extLst>
+              <a:ext uri="{FF2B5EF4-FFF2-40B4-BE49-F238E27FC236}">
+                <a16:creationId xmlns:a16="http://schemas.microsoft.com/office/drawing/2014/main" id="{53FE312B-72AD-4E57-A253-2FFF7B5C59D1}"/>
+              </a:ext>
+            </a:extLst>
+          </p:cNvPr>
+          <p:cNvCxnSpPr>
+            <a:cxnSpLocks/>
+          </p:cNvCxnSpPr>
+          <p:nvPr/>
+        </p:nvCxnSpPr>
+        <p:spPr>
+          <a:xfrm rot="16200000" flipV="1">
+            <a:off x="987418" y="1844098"/>
+            <a:ext cx="1950673" cy="1875367"/>
+          </a:xfrm>
+          <a:prstGeom prst="curvedConnector3">
+            <a:avLst>
+              <a:gd name="adj1" fmla="val 61940"/>
+            </a:avLst>
+          </a:prstGeom>
+          <a:ln>
+            <a:tailEnd type="triangle"/>
+          </a:ln>
+        </p:spPr>
+        <p:style>
+          <a:lnRef idx="1">
+            <a:schemeClr val="accent1"/>
+          </a:lnRef>
+          <a:fillRef idx="0">
+            <a:schemeClr val="accent1"/>
+          </a:fillRef>
+          <a:effectRef idx="0">
+            <a:schemeClr val="accent1"/>
+          </a:effectRef>
+          <a:fontRef idx="minor">
+            <a:schemeClr val="tx1"/>
+          </a:fontRef>
+        </p:style>
+      </p:cxnSp>
+      <p:pic>
+        <p:nvPicPr>
+          <p:cNvPr id="52" name="Graphic 51" descr="Laptop">
+            <a:extLst>
+              <a:ext uri="{FF2B5EF4-FFF2-40B4-BE49-F238E27FC236}">
+                <a16:creationId xmlns:a16="http://schemas.microsoft.com/office/drawing/2014/main" id="{BE03494D-48F4-A347-0BEF-5BC01EC48D00}"/>
+              </a:ext>
+            </a:extLst>
+          </p:cNvPr>
+          <p:cNvPicPr>
+            <a:picLocks noChangeAspect="1"/>
+          </p:cNvPicPr>
+          <p:nvPr/>
+        </p:nvPicPr>
+        <p:blipFill>
+          <a:blip r:embed="rId4">
+            <a:extLst>
+              <a:ext uri="{28A0092B-C50C-407E-A947-70E740481C1C}">
+                <a14:useLocalDpi xmlns:a14="http://schemas.microsoft.com/office/drawing/2010/main" val="0"/>
+              </a:ext>
+              <a:ext uri="{96DAC541-7B7A-43D3-8B79-37D633B846F1}">
+                <asvg:svgBlip xmlns:asvg="http://schemas.microsoft.com/office/drawing/2016/SVG/main" r:embed="rId5"/>
+              </a:ext>
+            </a:extLst>
+          </a:blip>
+          <a:stretch>
+            <a:fillRect/>
+          </a:stretch>
+        </p:blipFill>
+        <p:spPr>
+          <a:xfrm>
+            <a:off x="418575" y="921360"/>
+            <a:ext cx="914400" cy="914400"/>
+          </a:xfrm>
+          <a:prstGeom prst="rect">
+            <a:avLst/>
+          </a:prstGeom>
+        </p:spPr>
+      </p:pic>
+      <p:pic>
+        <p:nvPicPr>
+          <p:cNvPr id="53" name="Graphic 52" descr="Laptop">
+            <a:extLst>
+              <a:ext uri="{FF2B5EF4-FFF2-40B4-BE49-F238E27FC236}">
+                <a16:creationId xmlns:a16="http://schemas.microsoft.com/office/drawing/2014/main" id="{F38B6777-7816-A8E9-7C01-1E76F0E06ACF}"/>
+              </a:ext>
+            </a:extLst>
+          </p:cNvPr>
+          <p:cNvPicPr>
+            <a:picLocks noChangeAspect="1"/>
+          </p:cNvPicPr>
+          <p:nvPr/>
+        </p:nvPicPr>
+        <p:blipFill>
+          <a:blip r:embed="rId4">
+            <a:extLst>
+              <a:ext uri="{28A0092B-C50C-407E-A947-70E740481C1C}">
+                <a14:useLocalDpi xmlns:a14="http://schemas.microsoft.com/office/drawing/2010/main" val="0"/>
+              </a:ext>
+              <a:ext uri="{96DAC541-7B7A-43D3-8B79-37D633B846F1}">
+                <asvg:svgBlip xmlns:asvg="http://schemas.microsoft.com/office/drawing/2016/SVG/main" r:embed="rId5"/>
+              </a:ext>
+            </a:extLst>
+          </a:blip>
+          <a:stretch>
+            <a:fillRect/>
+          </a:stretch>
+        </p:blipFill>
+        <p:spPr>
+          <a:xfrm>
+            <a:off x="1573858" y="926226"/>
+            <a:ext cx="914400" cy="914400"/>
+          </a:xfrm>
+          <a:prstGeom prst="rect">
+            <a:avLst/>
+          </a:prstGeom>
+        </p:spPr>
+      </p:pic>
+      <p:sp>
+        <p:nvSpPr>
+          <p:cNvPr id="2" name="Rectangle 1">
+            <a:extLst>
+              <a:ext uri="{FF2B5EF4-FFF2-40B4-BE49-F238E27FC236}">
+                <a16:creationId xmlns:a16="http://schemas.microsoft.com/office/drawing/2014/main" id="{F5100FEA-6C24-1222-FB4A-4EF6532145B6}"/>
               </a:ext>
             </a:extLst>
           </p:cNvPr>
@@ -4535,8 +4192,8 @@
         </p:nvSpPr>
         <p:spPr>
           <a:xfrm>
-            <a:off x="270588" y="501110"/>
-            <a:ext cx="4103565" cy="5492108"/>
+            <a:off x="298582" y="501110"/>
+            <a:ext cx="2219954" cy="5492108"/>
           </a:xfrm>
           <a:prstGeom prst="rect">
             <a:avLst/>
@@ -4570,10 +4227,10 @@
       </p:sp>
       <p:sp>
         <p:nvSpPr>
-          <p:cNvPr id="66" name="TextBox 65">
-            <a:extLst>
-              <a:ext uri="{FF2B5EF4-FFF2-40B4-BE49-F238E27FC236}">
-                <a16:creationId xmlns:a16="http://schemas.microsoft.com/office/drawing/2014/main" id="{67F7DB68-0982-D3AC-CB4D-EE685B04EE48}"/>
+          <p:cNvPr id="5" name="TextBox 4">
+            <a:extLst>
+              <a:ext uri="{FF2B5EF4-FFF2-40B4-BE49-F238E27FC236}">
+                <a16:creationId xmlns:a16="http://schemas.microsoft.com/office/drawing/2014/main" id="{E88597B3-9330-A16B-795F-4C465CAEF8C9}"/>
               </a:ext>
             </a:extLst>
           </p:cNvPr>
@@ -4582,8 +4239,227 @@
         </p:nvSpPr>
         <p:spPr>
           <a:xfrm>
-            <a:off x="194888" y="178613"/>
-            <a:ext cx="1764944" cy="369332"/>
+            <a:off x="809016" y="2460195"/>
+            <a:ext cx="1110898" cy="369332"/>
+          </a:xfrm>
+          <a:prstGeom prst="rect">
+            <a:avLst/>
+          </a:prstGeom>
+          <a:noFill/>
+        </p:spPr>
+        <p:txBody>
+          <a:bodyPr wrap="square">
+            <a:spAutoFit/>
+          </a:bodyPr>
+          <a:lstStyle/>
+          <a:p>
+            <a:r>
+              <a:rPr lang="en-US" dirty="0"/>
+              <a:t>Referees</a:t>
+            </a:r>
+            <a:endParaRPr lang="en-CA" dirty="0"/>
+          </a:p>
+        </p:txBody>
+      </p:sp>
+      <p:sp>
+        <p:nvSpPr>
+          <p:cNvPr id="8" name="TextBox 7">
+            <a:extLst>
+              <a:ext uri="{FF2B5EF4-FFF2-40B4-BE49-F238E27FC236}">
+                <a16:creationId xmlns:a16="http://schemas.microsoft.com/office/drawing/2014/main" id="{3804DF01-C511-ED65-9989-F44F7AB2163E}"/>
+              </a:ext>
+            </a:extLst>
+          </p:cNvPr>
+          <p:cNvSpPr txBox="1"/>
+          <p:nvPr/>
+        </p:nvSpPr>
+        <p:spPr>
+          <a:xfrm>
+            <a:off x="2791526" y="4397978"/>
+            <a:ext cx="895502" cy="369332"/>
+          </a:xfrm>
+          <a:prstGeom prst="rect">
+            <a:avLst/>
+          </a:prstGeom>
+          <a:noFill/>
+        </p:spPr>
+        <p:txBody>
+          <a:bodyPr wrap="none" rtlCol="0">
+            <a:spAutoFit/>
+          </a:bodyPr>
+          <a:lstStyle/>
+          <a:p>
+            <a:r>
+              <a:rPr lang="en-US" dirty="0"/>
+              <a:t>owlcms</a:t>
+            </a:r>
+          </a:p>
+        </p:txBody>
+      </p:sp>
+      <p:pic>
+        <p:nvPicPr>
+          <p:cNvPr id="9" name="Graphic 8" descr="Server">
+            <a:extLst>
+              <a:ext uri="{FF2B5EF4-FFF2-40B4-BE49-F238E27FC236}">
+                <a16:creationId xmlns:a16="http://schemas.microsoft.com/office/drawing/2014/main" id="{AAF7C389-8642-68AD-DDAC-86107A02F164}"/>
+              </a:ext>
+            </a:extLst>
+          </p:cNvPr>
+          <p:cNvPicPr>
+            <a:picLocks noChangeAspect="1"/>
+          </p:cNvPicPr>
+          <p:nvPr/>
+        </p:nvPicPr>
+        <p:blipFill>
+          <a:blip r:embed="rId6">
+            <a:extLst>
+              <a:ext uri="{28A0092B-C50C-407E-A947-70E740481C1C}">
+                <a14:useLocalDpi xmlns:a14="http://schemas.microsoft.com/office/drawing/2010/main" val="0"/>
+              </a:ext>
+              <a:ext uri="{96DAC541-7B7A-43D3-8B79-37D633B846F1}">
+                <asvg:svgBlip xmlns:asvg="http://schemas.microsoft.com/office/drawing/2016/SVG/main" r:embed="rId7"/>
+              </a:ext>
+            </a:extLst>
+          </a:blip>
+          <a:stretch>
+            <a:fillRect/>
+          </a:stretch>
+        </p:blipFill>
+        <p:spPr>
+          <a:xfrm>
+            <a:off x="2846586" y="3664970"/>
+            <a:ext cx="914400" cy="914400"/>
+          </a:xfrm>
+          <a:prstGeom prst="rect">
+            <a:avLst/>
+          </a:prstGeom>
+        </p:spPr>
+      </p:pic>
+      <p:sp>
+        <p:nvSpPr>
+          <p:cNvPr id="10" name="TextBox 9">
+            <a:extLst>
+              <a:ext uri="{FF2B5EF4-FFF2-40B4-BE49-F238E27FC236}">
+                <a16:creationId xmlns:a16="http://schemas.microsoft.com/office/drawing/2014/main" id="{EF31240E-65D8-199E-85D1-677B4950C62B}"/>
+              </a:ext>
+            </a:extLst>
+          </p:cNvPr>
+          <p:cNvSpPr txBox="1"/>
+          <p:nvPr/>
+        </p:nvSpPr>
+        <p:spPr>
+          <a:xfrm>
+            <a:off x="963286" y="5104505"/>
+            <a:ext cx="1220206" cy="369332"/>
+          </a:xfrm>
+          <a:prstGeom prst="rect">
+            <a:avLst/>
+          </a:prstGeom>
+          <a:noFill/>
+        </p:spPr>
+        <p:txBody>
+          <a:bodyPr wrap="none" rtlCol="0">
+            <a:spAutoFit/>
+          </a:bodyPr>
+          <a:lstStyle/>
+          <a:p>
+            <a:r>
+              <a:rPr lang="en-US" dirty="0"/>
+              <a:t>Announcer</a:t>
+            </a:r>
+          </a:p>
+        </p:txBody>
+      </p:sp>
+      <p:pic>
+        <p:nvPicPr>
+          <p:cNvPr id="11" name="Graphic 10" descr="Laptop">
+            <a:extLst>
+              <a:ext uri="{FF2B5EF4-FFF2-40B4-BE49-F238E27FC236}">
+                <a16:creationId xmlns:a16="http://schemas.microsoft.com/office/drawing/2014/main" id="{032C1AB0-6E58-5751-7C29-79736D414132}"/>
+              </a:ext>
+            </a:extLst>
+          </p:cNvPr>
+          <p:cNvPicPr>
+            <a:picLocks noChangeAspect="1"/>
+          </p:cNvPicPr>
+          <p:nvPr/>
+        </p:nvPicPr>
+        <p:blipFill>
+          <a:blip r:embed="rId8">
+            <a:extLst>
+              <a:ext uri="{28A0092B-C50C-407E-A947-70E740481C1C}">
+                <a14:useLocalDpi xmlns:a14="http://schemas.microsoft.com/office/drawing/2010/main" val="0"/>
+              </a:ext>
+              <a:ext uri="{96DAC541-7B7A-43D3-8B79-37D633B846F1}">
+                <asvg:svgBlip xmlns:asvg="http://schemas.microsoft.com/office/drawing/2016/SVG/main" r:embed="rId9"/>
+              </a:ext>
+            </a:extLst>
+          </a:blip>
+          <a:stretch>
+            <a:fillRect/>
+          </a:stretch>
+        </p:blipFill>
+        <p:spPr>
+          <a:xfrm>
+            <a:off x="1087711" y="4456043"/>
+            <a:ext cx="914400" cy="914400"/>
+          </a:xfrm>
+          <a:prstGeom prst="rect">
+            <a:avLst/>
+          </a:prstGeom>
+        </p:spPr>
+      </p:pic>
+      <p:sp>
+        <p:nvSpPr>
+          <p:cNvPr id="12" name="TextBox 11">
+            <a:extLst>
+              <a:ext uri="{FF2B5EF4-FFF2-40B4-BE49-F238E27FC236}">
+                <a16:creationId xmlns:a16="http://schemas.microsoft.com/office/drawing/2014/main" id="{1B3A5DB1-09C5-B301-205F-CC08B16DF540}"/>
+              </a:ext>
+            </a:extLst>
+          </p:cNvPr>
+          <p:cNvSpPr txBox="1"/>
+          <p:nvPr/>
+        </p:nvSpPr>
+        <p:spPr>
+          <a:xfrm>
+            <a:off x="1027765" y="766481"/>
+            <a:ext cx="942887" cy="369332"/>
+          </a:xfrm>
+          <a:prstGeom prst="rect">
+            <a:avLst/>
+          </a:prstGeom>
+          <a:noFill/>
+        </p:spPr>
+        <p:txBody>
+          <a:bodyPr wrap="none" rtlCol="0">
+            <a:spAutoFit/>
+          </a:bodyPr>
+          <a:lstStyle/>
+          <a:p>
+            <a:r>
+              <a:rPr lang="en-US" dirty="0"/>
+              <a:t>Displays</a:t>
+            </a:r>
+          </a:p>
+        </p:txBody>
+      </p:sp>
+      <p:sp>
+        <p:nvSpPr>
+          <p:cNvPr id="4" name="TextBox 3">
+            <a:extLst>
+              <a:ext uri="{FF2B5EF4-FFF2-40B4-BE49-F238E27FC236}">
+                <a16:creationId xmlns:a16="http://schemas.microsoft.com/office/drawing/2014/main" id="{12E2FA3B-EEE8-2FBB-5119-D4BBC41C4B96}"/>
+              </a:ext>
+            </a:extLst>
+          </p:cNvPr>
+          <p:cNvSpPr txBox="1"/>
+          <p:nvPr/>
+        </p:nvSpPr>
+        <p:spPr>
+          <a:xfrm>
+            <a:off x="285498" y="5617520"/>
+            <a:ext cx="2484016" cy="369332"/>
           </a:xfrm>
           <a:prstGeom prst="rect">
             <a:avLst/>
@@ -4606,7 +4482,7 @@
     </p:spTree>
     <p:extLst>
       <p:ext uri="{BB962C8B-B14F-4D97-AF65-F5344CB8AC3E}">
-        <p14:creationId xmlns:p14="http://schemas.microsoft.com/office/powerpoint/2010/main" val="3010317108"/>
+        <p14:creationId xmlns:p14="http://schemas.microsoft.com/office/powerpoint/2010/main" val="1252193104"/>
       </p:ext>
     </p:extLst>
   </p:cSld>
@@ -4703,7 +4579,7 @@
         </p:blipFill>
         <p:spPr>
           <a:xfrm>
-            <a:off x="1502632" y="2811608"/>
+            <a:off x="1166210" y="2811608"/>
             <a:ext cx="457200" cy="457200"/>
           </a:xfrm>
           <a:prstGeom prst="rect">
@@ -4742,7 +4618,7 @@
         </p:blipFill>
         <p:spPr>
           <a:xfrm>
-            <a:off x="2353445" y="2811608"/>
+            <a:off x="1602953" y="2811608"/>
             <a:ext cx="457200" cy="457200"/>
           </a:xfrm>
           <a:prstGeom prst="rect">
@@ -4750,45 +4626,6 @@
           </a:prstGeom>
         </p:spPr>
       </p:pic>
-      <p:pic>
-        <p:nvPicPr>
-          <p:cNvPr id="42" name="Graphic 41" descr="Laptop">
-            <a:extLst>
-              <a:ext uri="{FF2B5EF4-FFF2-40B4-BE49-F238E27FC236}">
-                <a16:creationId xmlns:a16="http://schemas.microsoft.com/office/drawing/2014/main" id="{30258E07-778B-4C23-82CB-8374A76FC366}"/>
-              </a:ext>
-            </a:extLst>
-          </p:cNvPr>
-          <p:cNvPicPr>
-            <a:picLocks noChangeAspect="1"/>
-          </p:cNvPicPr>
-          <p:nvPr/>
-        </p:nvPicPr>
-        <p:blipFill>
-          <a:blip r:embed="rId4">
-            <a:extLst>
-              <a:ext uri="{28A0092B-C50C-407E-A947-70E740481C1C}">
-                <a14:useLocalDpi xmlns:a14="http://schemas.microsoft.com/office/drawing/2010/main" val="0"/>
-              </a:ext>
-              <a:ext uri="{96DAC541-7B7A-43D3-8B79-37D633B846F1}">
-                <asvg:svgBlip xmlns:asvg="http://schemas.microsoft.com/office/drawing/2016/SVG/main" r:embed="rId5"/>
-              </a:ext>
-            </a:extLst>
-          </a:blip>
-          <a:stretch>
-            <a:fillRect/>
-          </a:stretch>
-        </p:blipFill>
-        <p:spPr>
-          <a:xfrm>
-            <a:off x="869972" y="4073656"/>
-            <a:ext cx="914400" cy="914400"/>
-          </a:xfrm>
-          <a:prstGeom prst="rect">
-            <a:avLst/>
-          </a:prstGeom>
-        </p:spPr>
-      </p:pic>
       <p:sp>
         <p:nvSpPr>
           <p:cNvPr id="47" name="Graphic 45" descr="Cloud">
@@ -4803,8 +4640,8 @@
         </p:nvSpPr>
         <p:spPr>
           <a:xfrm>
-            <a:off x="4601849" y="2493286"/>
-            <a:ext cx="3761101" cy="2314798"/>
+            <a:off x="2631655" y="2653592"/>
+            <a:ext cx="3395921" cy="2321254"/>
           </a:xfrm>
           <a:custGeom>
             <a:avLst/>
@@ -5169,8 +5006,8 @@
         </p:nvCxnSpPr>
         <p:spPr>
           <a:xfrm rot="16200000" flipH="1">
-            <a:off x="3439052" y="2411801"/>
-            <a:ext cx="744724" cy="2458738"/>
+            <a:off x="1891668" y="3208692"/>
+            <a:ext cx="844910" cy="965141"/>
           </a:xfrm>
           <a:prstGeom prst="curvedConnector2">
             <a:avLst/>
@@ -5212,8 +5049,8 @@
         </p:nvCxnSpPr>
         <p:spPr>
           <a:xfrm rot="16200000" flipH="1">
-            <a:off x="3013645" y="1986394"/>
-            <a:ext cx="744725" cy="3309551"/>
+            <a:off x="1673297" y="2990321"/>
+            <a:ext cx="844910" cy="1401884"/>
           </a:xfrm>
           <a:prstGeom prst="curvedConnector2">
             <a:avLst/>
@@ -5255,8 +5092,8 @@
         </p:nvCxnSpPr>
         <p:spPr>
           <a:xfrm rot="16200000" flipH="1">
-            <a:off x="2588240" y="1560987"/>
-            <a:ext cx="744725" cy="4160366"/>
+            <a:off x="1416101" y="2733125"/>
+            <a:ext cx="844910" cy="1916275"/>
           </a:xfrm>
           <a:prstGeom prst="curvedConnector2">
             <a:avLst/>
@@ -5292,14 +5129,13 @@
           </p:cNvPr>
           <p:cNvCxnSpPr>
             <a:cxnSpLocks/>
-            <a:stCxn id="42" idx="3"/>
           </p:cNvCxnSpPr>
           <p:nvPr/>
         </p:nvCxnSpPr>
         <p:spPr>
           <a:xfrm flipV="1">
-            <a:off x="1784372" y="4013533"/>
-            <a:ext cx="3256411" cy="517323"/>
+            <a:off x="1784372" y="4113718"/>
+            <a:ext cx="1012322" cy="417138"/>
           </a:xfrm>
           <a:prstGeom prst="curvedConnector3">
             <a:avLst>
@@ -5342,12 +5178,12 @@
         </p:nvCxnSpPr>
         <p:spPr>
           <a:xfrm rot="16200000" flipV="1">
-            <a:off x="2610600" y="668950"/>
-            <a:ext cx="1776328" cy="3998439"/>
+            <a:off x="1576356" y="2403359"/>
+            <a:ext cx="1909906" cy="716073"/>
           </a:xfrm>
           <a:prstGeom prst="curvedConnector3">
             <a:avLst>
-              <a:gd name="adj1" fmla="val 50000"/>
+              <a:gd name="adj1" fmla="val 68518"/>
             </a:avLst>
           </a:prstGeom>
           <a:ln>
@@ -5385,12 +5221,12 @@
         </p:nvCxnSpPr>
         <p:spPr>
           <a:xfrm rot="16200000" flipV="1">
-            <a:off x="3234876" y="1293226"/>
-            <a:ext cx="1772202" cy="2754013"/>
+            <a:off x="987418" y="1844098"/>
+            <a:ext cx="1950673" cy="1875367"/>
           </a:xfrm>
           <a:prstGeom prst="curvedConnector3">
             <a:avLst>
-              <a:gd name="adj1" fmla="val 59137"/>
+              <a:gd name="adj1" fmla="val 61940"/>
             </a:avLst>
           </a:prstGeom>
           <a:ln>
@@ -5412,153 +5248,6 @@
           </a:fontRef>
         </p:style>
       </p:cxnSp>
-      <p:sp>
-        <p:nvSpPr>
-          <p:cNvPr id="127" name="TextBox 126">
-            <a:extLst>
-              <a:ext uri="{FF2B5EF4-FFF2-40B4-BE49-F238E27FC236}">
-                <a16:creationId xmlns:a16="http://schemas.microsoft.com/office/drawing/2014/main" id="{A47218F2-E193-4C56-B84B-B091AAEC9625}"/>
-              </a:ext>
-            </a:extLst>
-          </p:cNvPr>
-          <p:cNvSpPr txBox="1"/>
-          <p:nvPr/>
-        </p:nvSpPr>
-        <p:spPr>
-          <a:xfrm>
-            <a:off x="1522316" y="1527054"/>
-            <a:ext cx="1343573" cy="369332"/>
-          </a:xfrm>
-          <a:prstGeom prst="rect">
-            <a:avLst/>
-          </a:prstGeom>
-          <a:noFill/>
-        </p:spPr>
-        <p:txBody>
-          <a:bodyPr wrap="none" rtlCol="0">
-            <a:spAutoFit/>
-          </a:bodyPr>
-          <a:lstStyle/>
-          <a:p>
-            <a:r>
-              <a:rPr lang="en-US" dirty="0"/>
-              <a:t>Scoreboards</a:t>
-            </a:r>
-          </a:p>
-        </p:txBody>
-      </p:sp>
-      <p:sp>
-        <p:nvSpPr>
-          <p:cNvPr id="128" name="TextBox 127">
-            <a:extLst>
-              <a:ext uri="{FF2B5EF4-FFF2-40B4-BE49-F238E27FC236}">
-                <a16:creationId xmlns:a16="http://schemas.microsoft.com/office/drawing/2014/main" id="{AE1A24CB-D856-4574-A0B7-39AB7B963F94}"/>
-              </a:ext>
-            </a:extLst>
-          </p:cNvPr>
-          <p:cNvSpPr txBox="1"/>
-          <p:nvPr/>
-        </p:nvSpPr>
-        <p:spPr>
-          <a:xfrm>
-            <a:off x="2789689" y="2745617"/>
-            <a:ext cx="1444626" cy="646331"/>
-          </a:xfrm>
-          <a:prstGeom prst="rect">
-            <a:avLst/>
-          </a:prstGeom>
-          <a:noFill/>
-        </p:spPr>
-        <p:txBody>
-          <a:bodyPr wrap="none" rtlCol="0">
-            <a:spAutoFit/>
-          </a:bodyPr>
-          <a:lstStyle/>
-          <a:p>
-            <a:r>
-              <a:rPr lang="en-US" dirty="0"/>
-              <a:t>Referee</a:t>
-            </a:r>
-            <a:br>
-              <a:rPr lang="en-US" dirty="0"/>
-            </a:br>
-            <a:r>
-              <a:rPr lang="en-US" dirty="0"/>
-              <a:t>Phone/Tablet</a:t>
-            </a:r>
-          </a:p>
-        </p:txBody>
-      </p:sp>
-      <p:sp>
-        <p:nvSpPr>
-          <p:cNvPr id="129" name="TextBox 128">
-            <a:extLst>
-              <a:ext uri="{FF2B5EF4-FFF2-40B4-BE49-F238E27FC236}">
-                <a16:creationId xmlns:a16="http://schemas.microsoft.com/office/drawing/2014/main" id="{BE5E34C6-8717-433B-8843-E4B12A7C146D}"/>
-              </a:ext>
-            </a:extLst>
-          </p:cNvPr>
-          <p:cNvSpPr txBox="1"/>
-          <p:nvPr/>
-        </p:nvSpPr>
-        <p:spPr>
-          <a:xfrm>
-            <a:off x="851843" y="4765759"/>
-            <a:ext cx="943720" cy="369332"/>
-          </a:xfrm>
-          <a:prstGeom prst="rect">
-            <a:avLst/>
-          </a:prstGeom>
-          <a:noFill/>
-        </p:spPr>
-        <p:txBody>
-          <a:bodyPr wrap="none" rtlCol="0">
-            <a:spAutoFit/>
-          </a:bodyPr>
-          <a:lstStyle/>
-          <a:p>
-            <a:r>
-              <a:rPr lang="en-US" dirty="0"/>
-              <a:t>Marshal</a:t>
-            </a:r>
-          </a:p>
-        </p:txBody>
-      </p:sp>
-      <p:sp>
-        <p:nvSpPr>
-          <p:cNvPr id="130" name="TextBox 129">
-            <a:extLst>
-              <a:ext uri="{FF2B5EF4-FFF2-40B4-BE49-F238E27FC236}">
-                <a16:creationId xmlns:a16="http://schemas.microsoft.com/office/drawing/2014/main" id="{51255E3D-D65B-44CD-BE13-9BD3F23D006B}"/>
-              </a:ext>
-            </a:extLst>
-          </p:cNvPr>
-          <p:cNvSpPr txBox="1"/>
-          <p:nvPr/>
-        </p:nvSpPr>
-        <p:spPr>
-          <a:xfrm>
-            <a:off x="2255786" y="5288212"/>
-            <a:ext cx="1220206" cy="369332"/>
-          </a:xfrm>
-          <a:prstGeom prst="rect">
-            <a:avLst/>
-          </a:prstGeom>
-          <a:noFill/>
-        </p:spPr>
-        <p:txBody>
-          <a:bodyPr wrap="none" rtlCol="0">
-            <a:spAutoFit/>
-          </a:bodyPr>
-          <a:lstStyle/>
-          <a:p>
-            <a:r>
-              <a:rPr lang="en-US" dirty="0"/>
-              <a:t>Announcer</a:t>
-            </a:r>
-          </a:p>
-        </p:txBody>
-      </p:sp>
       <p:cxnSp>
         <p:nvCxnSpPr>
           <p:cNvPr id="135" name="Straight Arrow Connector 134">
@@ -5570,14 +5259,13 @@
           </p:cNvPr>
           <p:cNvCxnSpPr>
             <a:cxnSpLocks/>
-            <a:endCxn id="50" idx="1"/>
           </p:cNvCxnSpPr>
           <p:nvPr/>
         </p:nvCxnSpPr>
         <p:spPr>
           <a:xfrm>
-            <a:off x="5896525" y="3989118"/>
-            <a:ext cx="763546" cy="0"/>
+            <a:off x="3699330" y="4113718"/>
+            <a:ext cx="945839" cy="0"/>
           </a:xfrm>
           <a:prstGeom prst="straightConnector1">
             <a:avLst/>
@@ -5603,10 +5291,10 @@
       </p:cxnSp>
       <p:sp>
         <p:nvSpPr>
-          <p:cNvPr id="138" name="TextBox 137">
-            <a:extLst>
-              <a:ext uri="{FF2B5EF4-FFF2-40B4-BE49-F238E27FC236}">
-                <a16:creationId xmlns:a16="http://schemas.microsoft.com/office/drawing/2014/main" id="{79F9B87A-2C2D-43BA-8A3D-63A48FBE7D79}"/>
+          <p:cNvPr id="141" name="TextBox 140">
+            <a:extLst>
+              <a:ext uri="{FF2B5EF4-FFF2-40B4-BE49-F238E27FC236}">
+                <a16:creationId xmlns:a16="http://schemas.microsoft.com/office/drawing/2014/main" id="{FDFA73C4-2863-4475-A7A2-353585C96372}"/>
               </a:ext>
             </a:extLst>
           </p:cNvPr>
@@ -5615,8 +5303,8 @@
         </p:nvSpPr>
         <p:spPr>
           <a:xfrm>
-            <a:off x="5040201" y="4332661"/>
-            <a:ext cx="895502" cy="369332"/>
+            <a:off x="4335825" y="4433612"/>
+            <a:ext cx="1377493" cy="369332"/>
           </a:xfrm>
           <a:prstGeom prst="rect">
             <a:avLst/>
@@ -5624,119 +5312,41 @@
           <a:noFill/>
         </p:spPr>
         <p:txBody>
-          <a:bodyPr wrap="none" rtlCol="0">
+          <a:bodyPr wrap="square" rtlCol="0">
             <a:spAutoFit/>
           </a:bodyPr>
           <a:lstStyle/>
           <a:p>
             <a:r>
               <a:rPr lang="en-US" dirty="0"/>
-              <a:t>owlcms</a:t>
+              <a:t>publicresults</a:t>
             </a:r>
           </a:p>
         </p:txBody>
       </p:sp>
       <p:cxnSp>
         <p:nvCxnSpPr>
-          <p:cNvPr id="140" name="Connector: Curved 139">
-            <a:extLst>
-              <a:ext uri="{FF2B5EF4-FFF2-40B4-BE49-F238E27FC236}">
-                <a16:creationId xmlns:a16="http://schemas.microsoft.com/office/drawing/2014/main" id="{0CD263EB-083B-46BB-903A-85F2EB299A85}"/>
+          <p:cNvPr id="143" name="Connector: Curved 142">
+            <a:extLst>
+              <a:ext uri="{FF2B5EF4-FFF2-40B4-BE49-F238E27FC236}">
+                <a16:creationId xmlns:a16="http://schemas.microsoft.com/office/drawing/2014/main" id="{EA06EC34-A278-408E-A58E-B30BBF510876}"/>
               </a:ext>
             </a:extLst>
           </p:cNvPr>
           <p:cNvCxnSpPr>
             <a:cxnSpLocks/>
+            <a:endCxn id="45" idx="2"/>
           </p:cNvCxnSpPr>
           <p:nvPr/>
         </p:nvCxnSpPr>
         <p:spPr>
-          <a:xfrm flipV="1">
-            <a:off x="3267845" y="4013533"/>
-            <a:ext cx="1772938" cy="1080667"/>
+          <a:xfrm rot="5400000" flipH="1" flipV="1">
+            <a:off x="4365388" y="3013064"/>
+            <a:ext cx="1337383" cy="19018"/>
           </a:xfrm>
           <a:prstGeom prst="curvedConnector3">
             <a:avLst>
               <a:gd name="adj1" fmla="val 50000"/>
-            </a:avLst>
-          </a:prstGeom>
-          <a:ln>
-            <a:headEnd type="triangle"/>
-            <a:tailEnd type="triangle"/>
-          </a:ln>
-        </p:spPr>
-        <p:style>
-          <a:lnRef idx="1">
-            <a:schemeClr val="accent1"/>
-          </a:lnRef>
-          <a:fillRef idx="0">
-            <a:schemeClr val="accent1"/>
-          </a:fillRef>
-          <a:effectRef idx="0">
-            <a:schemeClr val="accent1"/>
-          </a:effectRef>
-          <a:fontRef idx="minor">
-            <a:schemeClr val="tx1"/>
-          </a:fontRef>
-        </p:style>
-      </p:cxnSp>
-      <p:sp>
-        <p:nvSpPr>
-          <p:cNvPr id="141" name="TextBox 140">
-            <a:extLst>
-              <a:ext uri="{FF2B5EF4-FFF2-40B4-BE49-F238E27FC236}">
-                <a16:creationId xmlns:a16="http://schemas.microsoft.com/office/drawing/2014/main" id="{FDFA73C4-2863-4475-A7A2-353585C96372}"/>
-              </a:ext>
-            </a:extLst>
-          </p:cNvPr>
-          <p:cNvSpPr txBox="1"/>
-          <p:nvPr/>
-        </p:nvSpPr>
-        <p:spPr>
-          <a:xfrm>
-            <a:off x="6406713" y="4309012"/>
-            <a:ext cx="1377493" cy="369332"/>
-          </a:xfrm>
-          <a:prstGeom prst="rect">
-            <a:avLst/>
-          </a:prstGeom>
-          <a:noFill/>
-        </p:spPr>
-        <p:txBody>
-          <a:bodyPr wrap="none" rtlCol="0">
-            <a:spAutoFit/>
-          </a:bodyPr>
-          <a:lstStyle/>
-          <a:p>
-            <a:r>
-              <a:rPr lang="en-US" dirty="0"/>
-              <a:t>publicresults</a:t>
-            </a:r>
-          </a:p>
-        </p:txBody>
-      </p:sp>
-      <p:cxnSp>
-        <p:nvCxnSpPr>
-          <p:cNvPr id="143" name="Connector: Curved 142">
-            <a:extLst>
-              <a:ext uri="{FF2B5EF4-FFF2-40B4-BE49-F238E27FC236}">
-                <a16:creationId xmlns:a16="http://schemas.microsoft.com/office/drawing/2014/main" id="{EA06EC34-A278-408E-A58E-B30BBF510876}"/>
-              </a:ext>
-            </a:extLst>
-          </p:cNvPr>
-          <p:cNvCxnSpPr>
-            <a:cxnSpLocks/>
-          </p:cNvCxnSpPr>
-          <p:nvPr/>
-        </p:nvCxnSpPr>
-        <p:spPr>
-          <a:xfrm flipV="1">
-            <a:off x="7552660" y="1492572"/>
-            <a:ext cx="140430" cy="2520962"/>
-          </a:xfrm>
-          <a:prstGeom prst="curvedConnector3">
-            <a:avLst>
-              <a:gd name="adj1" fmla="val 710446"/>
             </a:avLst>
           </a:prstGeom>
           <a:ln>
@@ -5789,7 +5399,7 @@
         </p:blipFill>
         <p:spPr>
           <a:xfrm>
-            <a:off x="7173421" y="1242001"/>
+            <a:off x="4795971" y="1316174"/>
             <a:ext cx="457200" cy="457200"/>
           </a:xfrm>
           <a:prstGeom prst="rect">
@@ -5811,8 +5421,8 @@
         </p:nvSpPr>
         <p:spPr>
           <a:xfrm>
-            <a:off x="7015445" y="1652200"/>
-            <a:ext cx="840295" cy="430887"/>
+            <a:off x="4623440" y="1776800"/>
+            <a:ext cx="840295" cy="577081"/>
           </a:xfrm>
           <a:prstGeom prst="rect">
             <a:avLst/>
@@ -5820,7 +5430,7 @@
           <a:noFill/>
         </p:spPr>
         <p:txBody>
-          <a:bodyPr wrap="none" rtlCol="0">
+          <a:bodyPr wrap="square" rtlCol="0">
             <a:spAutoFit/>
           </a:bodyPr>
           <a:lstStyle/>
@@ -5828,7 +5438,7 @@
             <a:pPr algn="ctr"/>
             <a:r>
               <a:rPr lang="en-US" sz="1050" dirty="0"/>
-              <a:t>Internet</a:t>
+              <a:t>Internet-accessed</a:t>
             </a:r>
             <a:br>
               <a:rPr lang="en-US" sz="1050" dirty="0"/>
@@ -5842,10 +5452,10 @@
       </p:sp>
       <p:pic>
         <p:nvPicPr>
-          <p:cNvPr id="49" name="Graphic 48" descr="Server">
-            <a:extLst>
-              <a:ext uri="{FF2B5EF4-FFF2-40B4-BE49-F238E27FC236}">
-                <a16:creationId xmlns:a16="http://schemas.microsoft.com/office/drawing/2014/main" id="{E5583103-0F3E-743D-4A4F-8E7E7344FB05}"/>
+          <p:cNvPr id="50" name="Graphic 49" descr="Server">
+            <a:extLst>
+              <a:ext uri="{FF2B5EF4-FFF2-40B4-BE49-F238E27FC236}">
+                <a16:creationId xmlns:a16="http://schemas.microsoft.com/office/drawing/2014/main" id="{B8C8395B-044C-245A-B324-865A6E687529}"/>
               </a:ext>
             </a:extLst>
           </p:cNvPr>
@@ -5855,13 +5465,13 @@
           <p:nvPr/>
         </p:nvPicPr>
         <p:blipFill>
-          <a:blip r:embed="rId6">
+          <a:blip r:embed="rId4">
             <a:extLst>
               <a:ext uri="{28A0092B-C50C-407E-A947-70E740481C1C}">
                 <a14:useLocalDpi xmlns:a14="http://schemas.microsoft.com/office/drawing/2010/main" val="0"/>
               </a:ext>
               <a:ext uri="{96DAC541-7B7A-43D3-8B79-37D633B846F1}">
-                <asvg:svgBlip xmlns:asvg="http://schemas.microsoft.com/office/drawing/2016/SVG/main" r:embed="rId7"/>
+                <asvg:svgBlip xmlns:asvg="http://schemas.microsoft.com/office/drawing/2016/SVG/main" r:embed="rId5"/>
               </a:ext>
             </a:extLst>
           </a:blip>
@@ -5871,7 +5481,7 @@
         </p:blipFill>
         <p:spPr>
           <a:xfrm>
-            <a:off x="5039275" y="3599653"/>
+            <a:off x="4589183" y="3656518"/>
             <a:ext cx="914400" cy="914400"/>
           </a:xfrm>
           <a:prstGeom prst="rect">
@@ -5879,168 +5489,12 @@
           </a:prstGeom>
         </p:spPr>
       </p:pic>
-      <p:pic>
-        <p:nvPicPr>
-          <p:cNvPr id="50" name="Graphic 49" descr="Server">
-            <a:extLst>
-              <a:ext uri="{FF2B5EF4-FFF2-40B4-BE49-F238E27FC236}">
-                <a16:creationId xmlns:a16="http://schemas.microsoft.com/office/drawing/2014/main" id="{B8C8395B-044C-245A-B324-865A6E687529}"/>
-              </a:ext>
-            </a:extLst>
-          </p:cNvPr>
-          <p:cNvPicPr>
-            <a:picLocks noChangeAspect="1"/>
-          </p:cNvPicPr>
-          <p:nvPr/>
-        </p:nvPicPr>
-        <p:blipFill>
-          <a:blip r:embed="rId8">
-            <a:extLst>
-              <a:ext uri="{28A0092B-C50C-407E-A947-70E740481C1C}">
-                <a14:useLocalDpi xmlns:a14="http://schemas.microsoft.com/office/drawing/2010/main" val="0"/>
-              </a:ext>
-              <a:ext uri="{96DAC541-7B7A-43D3-8B79-37D633B846F1}">
-                <asvg:svgBlip xmlns:asvg="http://schemas.microsoft.com/office/drawing/2016/SVG/main" r:embed="rId9"/>
-              </a:ext>
-            </a:extLst>
-          </a:blip>
-          <a:stretch>
-            <a:fillRect/>
-          </a:stretch>
-        </p:blipFill>
-        <p:spPr>
-          <a:xfrm>
-            <a:off x="6660071" y="3531918"/>
-            <a:ext cx="914400" cy="914400"/>
-          </a:xfrm>
-          <a:prstGeom prst="rect">
-            <a:avLst/>
-          </a:prstGeom>
-        </p:spPr>
-      </p:pic>
-      <p:pic>
-        <p:nvPicPr>
-          <p:cNvPr id="51" name="Graphic 50" descr="Laptop">
-            <a:extLst>
-              <a:ext uri="{FF2B5EF4-FFF2-40B4-BE49-F238E27FC236}">
-                <a16:creationId xmlns:a16="http://schemas.microsoft.com/office/drawing/2014/main" id="{A8C128B9-2F5C-662F-6DB5-EA640659F291}"/>
-              </a:ext>
-            </a:extLst>
-          </p:cNvPr>
-          <p:cNvPicPr>
-            <a:picLocks noChangeAspect="1"/>
-          </p:cNvPicPr>
-          <p:nvPr/>
-        </p:nvPicPr>
-        <p:blipFill>
-          <a:blip r:embed="rId10">
-            <a:extLst>
-              <a:ext uri="{28A0092B-C50C-407E-A947-70E740481C1C}">
-                <a14:useLocalDpi xmlns:a14="http://schemas.microsoft.com/office/drawing/2010/main" val="0"/>
-              </a:ext>
-              <a:ext uri="{96DAC541-7B7A-43D3-8B79-37D633B846F1}">
-                <asvg:svgBlip xmlns:asvg="http://schemas.microsoft.com/office/drawing/2016/SVG/main" r:embed="rId11"/>
-              </a:ext>
-            </a:extLst>
-          </a:blip>
-          <a:stretch>
-            <a:fillRect/>
-          </a:stretch>
-        </p:blipFill>
-        <p:spPr>
-          <a:xfrm>
-            <a:off x="2411025" y="4651135"/>
-            <a:ext cx="914400" cy="914400"/>
-          </a:xfrm>
-          <a:prstGeom prst="rect">
-            <a:avLst/>
-          </a:prstGeom>
-        </p:spPr>
-      </p:pic>
-      <p:pic>
-        <p:nvPicPr>
-          <p:cNvPr id="52" name="Graphic 51" descr="Laptop">
-            <a:extLst>
-              <a:ext uri="{FF2B5EF4-FFF2-40B4-BE49-F238E27FC236}">
-                <a16:creationId xmlns:a16="http://schemas.microsoft.com/office/drawing/2014/main" id="{BE03494D-48F4-A347-0BEF-5BC01EC48D00}"/>
-              </a:ext>
-            </a:extLst>
-          </p:cNvPr>
-          <p:cNvPicPr>
-            <a:picLocks noChangeAspect="1"/>
-          </p:cNvPicPr>
-          <p:nvPr/>
-        </p:nvPicPr>
-        <p:blipFill>
-          <a:blip r:embed="rId4">
-            <a:extLst>
-              <a:ext uri="{28A0092B-C50C-407E-A947-70E740481C1C}">
-                <a14:useLocalDpi xmlns:a14="http://schemas.microsoft.com/office/drawing/2010/main" val="0"/>
-              </a:ext>
-              <a:ext uri="{96DAC541-7B7A-43D3-8B79-37D633B846F1}">
-                <asvg:svgBlip xmlns:asvg="http://schemas.microsoft.com/office/drawing/2016/SVG/main" r:embed="rId5"/>
-              </a:ext>
-            </a:extLst>
-          </a:blip>
-          <a:stretch>
-            <a:fillRect/>
-          </a:stretch>
-        </p:blipFill>
-        <p:spPr>
-          <a:xfrm>
-            <a:off x="1110219" y="864783"/>
-            <a:ext cx="914400" cy="914400"/>
-          </a:xfrm>
-          <a:prstGeom prst="rect">
-            <a:avLst/>
-          </a:prstGeom>
-        </p:spPr>
-      </p:pic>
-      <p:pic>
-        <p:nvPicPr>
-          <p:cNvPr id="53" name="Graphic 52" descr="Laptop">
-            <a:extLst>
-              <a:ext uri="{FF2B5EF4-FFF2-40B4-BE49-F238E27FC236}">
-                <a16:creationId xmlns:a16="http://schemas.microsoft.com/office/drawing/2014/main" id="{F38B6777-7816-A8E9-7C01-1E76F0E06ACF}"/>
-              </a:ext>
-            </a:extLst>
-          </p:cNvPr>
-          <p:cNvPicPr>
-            <a:picLocks noChangeAspect="1"/>
-          </p:cNvPicPr>
-          <p:nvPr/>
-        </p:nvPicPr>
-        <p:blipFill>
-          <a:blip r:embed="rId4">
-            <a:extLst>
-              <a:ext uri="{28A0092B-C50C-407E-A947-70E740481C1C}">
-                <a14:useLocalDpi xmlns:a14="http://schemas.microsoft.com/office/drawing/2010/main" val="0"/>
-              </a:ext>
-              <a:ext uri="{96DAC541-7B7A-43D3-8B79-37D633B846F1}">
-                <asvg:svgBlip xmlns:asvg="http://schemas.microsoft.com/office/drawing/2016/SVG/main" r:embed="rId5"/>
-              </a:ext>
-            </a:extLst>
-          </a:blip>
-          <a:stretch>
-            <a:fillRect/>
-          </a:stretch>
-        </p:blipFill>
-        <p:spPr>
-          <a:xfrm>
-            <a:off x="2398127" y="875842"/>
-            <a:ext cx="914400" cy="914400"/>
-          </a:xfrm>
-          <a:prstGeom prst="rect">
-            <a:avLst/>
-          </a:prstGeom>
-        </p:spPr>
-      </p:pic>
       <p:sp>
         <p:nvSpPr>
           <p:cNvPr id="2" name="Rectangle 1">
             <a:extLst>
               <a:ext uri="{FF2B5EF4-FFF2-40B4-BE49-F238E27FC236}">
-                <a16:creationId xmlns:a16="http://schemas.microsoft.com/office/drawing/2014/main" id="{DFD56555-BFF5-8BBA-2159-6B04F52304A7}"/>
+                <a16:creationId xmlns:a16="http://schemas.microsoft.com/office/drawing/2014/main" id="{F5100FEA-6C24-1222-FB4A-4EF6532145B6}"/>
               </a:ext>
             </a:extLst>
           </p:cNvPr>
@@ -6049,8 +5503,8 @@
         </p:nvSpPr>
         <p:spPr>
           <a:xfrm>
-            <a:off x="270588" y="501110"/>
-            <a:ext cx="4103565" cy="5492108"/>
+            <a:off x="298582" y="501110"/>
+            <a:ext cx="2219954" cy="5492108"/>
           </a:xfrm>
           <a:prstGeom prst="rect">
             <a:avLst/>
@@ -6084,10 +5538,10 @@
       </p:sp>
       <p:sp>
         <p:nvSpPr>
-          <p:cNvPr id="3" name="TextBox 2">
-            <a:extLst>
-              <a:ext uri="{FF2B5EF4-FFF2-40B4-BE49-F238E27FC236}">
-                <a16:creationId xmlns:a16="http://schemas.microsoft.com/office/drawing/2014/main" id="{0DA8E949-E7D9-27E3-59B9-07F552363D51}"/>
+          <p:cNvPr id="5" name="TextBox 4">
+            <a:extLst>
+              <a:ext uri="{FF2B5EF4-FFF2-40B4-BE49-F238E27FC236}">
+                <a16:creationId xmlns:a16="http://schemas.microsoft.com/office/drawing/2014/main" id="{E88597B3-9330-A16B-795F-4C465CAEF8C9}"/>
               </a:ext>
             </a:extLst>
           </p:cNvPr>
@@ -6096,8 +5550,192 @@
         </p:nvSpPr>
         <p:spPr>
           <a:xfrm>
-            <a:off x="194888" y="178613"/>
-            <a:ext cx="1764944" cy="369332"/>
+            <a:off x="809016" y="2460195"/>
+            <a:ext cx="1110898" cy="369332"/>
+          </a:xfrm>
+          <a:prstGeom prst="rect">
+            <a:avLst/>
+          </a:prstGeom>
+          <a:noFill/>
+        </p:spPr>
+        <p:txBody>
+          <a:bodyPr wrap="square">
+            <a:spAutoFit/>
+          </a:bodyPr>
+          <a:lstStyle/>
+          <a:p>
+            <a:r>
+              <a:rPr lang="en-US" dirty="0"/>
+              <a:t>Referees</a:t>
+            </a:r>
+            <a:endParaRPr lang="en-CA" dirty="0"/>
+          </a:p>
+        </p:txBody>
+      </p:sp>
+      <p:sp>
+        <p:nvSpPr>
+          <p:cNvPr id="8" name="TextBox 7">
+            <a:extLst>
+              <a:ext uri="{FF2B5EF4-FFF2-40B4-BE49-F238E27FC236}">
+                <a16:creationId xmlns:a16="http://schemas.microsoft.com/office/drawing/2014/main" id="{3804DF01-C511-ED65-9989-F44F7AB2163E}"/>
+              </a:ext>
+            </a:extLst>
+          </p:cNvPr>
+          <p:cNvSpPr txBox="1"/>
+          <p:nvPr/>
+        </p:nvSpPr>
+        <p:spPr>
+          <a:xfrm>
+            <a:off x="2791526" y="4397978"/>
+            <a:ext cx="895502" cy="369332"/>
+          </a:xfrm>
+          <a:prstGeom prst="rect">
+            <a:avLst/>
+          </a:prstGeom>
+          <a:noFill/>
+        </p:spPr>
+        <p:txBody>
+          <a:bodyPr wrap="none" rtlCol="0">
+            <a:spAutoFit/>
+          </a:bodyPr>
+          <a:lstStyle/>
+          <a:p>
+            <a:r>
+              <a:rPr lang="en-US" dirty="0"/>
+              <a:t>owlcms</a:t>
+            </a:r>
+          </a:p>
+        </p:txBody>
+      </p:sp>
+      <p:pic>
+        <p:nvPicPr>
+          <p:cNvPr id="9" name="Graphic 8" descr="Server">
+            <a:extLst>
+              <a:ext uri="{FF2B5EF4-FFF2-40B4-BE49-F238E27FC236}">
+                <a16:creationId xmlns:a16="http://schemas.microsoft.com/office/drawing/2014/main" id="{AAF7C389-8642-68AD-DDAC-86107A02F164}"/>
+              </a:ext>
+            </a:extLst>
+          </p:cNvPr>
+          <p:cNvPicPr>
+            <a:picLocks noChangeAspect="1"/>
+          </p:cNvPicPr>
+          <p:nvPr/>
+        </p:nvPicPr>
+        <p:blipFill>
+          <a:blip r:embed="rId6">
+            <a:extLst>
+              <a:ext uri="{28A0092B-C50C-407E-A947-70E740481C1C}">
+                <a14:useLocalDpi xmlns:a14="http://schemas.microsoft.com/office/drawing/2010/main" val="0"/>
+              </a:ext>
+              <a:ext uri="{96DAC541-7B7A-43D3-8B79-37D633B846F1}">
+                <asvg:svgBlip xmlns:asvg="http://schemas.microsoft.com/office/drawing/2016/SVG/main" r:embed="rId7"/>
+              </a:ext>
+            </a:extLst>
+          </a:blip>
+          <a:stretch>
+            <a:fillRect/>
+          </a:stretch>
+        </p:blipFill>
+        <p:spPr>
+          <a:xfrm>
+            <a:off x="2846586" y="3664970"/>
+            <a:ext cx="914400" cy="914400"/>
+          </a:xfrm>
+          <a:prstGeom prst="rect">
+            <a:avLst/>
+          </a:prstGeom>
+        </p:spPr>
+      </p:pic>
+      <p:sp>
+        <p:nvSpPr>
+          <p:cNvPr id="10" name="TextBox 9">
+            <a:extLst>
+              <a:ext uri="{FF2B5EF4-FFF2-40B4-BE49-F238E27FC236}">
+                <a16:creationId xmlns:a16="http://schemas.microsoft.com/office/drawing/2014/main" id="{EF31240E-65D8-199E-85D1-677B4950C62B}"/>
+              </a:ext>
+            </a:extLst>
+          </p:cNvPr>
+          <p:cNvSpPr txBox="1"/>
+          <p:nvPr/>
+        </p:nvSpPr>
+        <p:spPr>
+          <a:xfrm>
+            <a:off x="963286" y="5104505"/>
+            <a:ext cx="1220206" cy="369332"/>
+          </a:xfrm>
+          <a:prstGeom prst="rect">
+            <a:avLst/>
+          </a:prstGeom>
+          <a:noFill/>
+        </p:spPr>
+        <p:txBody>
+          <a:bodyPr wrap="none" rtlCol="0">
+            <a:spAutoFit/>
+          </a:bodyPr>
+          <a:lstStyle/>
+          <a:p>
+            <a:r>
+              <a:rPr lang="en-US" dirty="0"/>
+              <a:t>Announcer</a:t>
+            </a:r>
+          </a:p>
+        </p:txBody>
+      </p:sp>
+      <p:pic>
+        <p:nvPicPr>
+          <p:cNvPr id="11" name="Graphic 10" descr="Laptop">
+            <a:extLst>
+              <a:ext uri="{FF2B5EF4-FFF2-40B4-BE49-F238E27FC236}">
+                <a16:creationId xmlns:a16="http://schemas.microsoft.com/office/drawing/2014/main" id="{032C1AB0-6E58-5751-7C29-79736D414132}"/>
+              </a:ext>
+            </a:extLst>
+          </p:cNvPr>
+          <p:cNvPicPr>
+            <a:picLocks noChangeAspect="1"/>
+          </p:cNvPicPr>
+          <p:nvPr/>
+        </p:nvPicPr>
+        <p:blipFill>
+          <a:blip r:embed="rId8">
+            <a:extLst>
+              <a:ext uri="{28A0092B-C50C-407E-A947-70E740481C1C}">
+                <a14:useLocalDpi xmlns:a14="http://schemas.microsoft.com/office/drawing/2010/main" val="0"/>
+              </a:ext>
+              <a:ext uri="{96DAC541-7B7A-43D3-8B79-37D633B846F1}">
+                <asvg:svgBlip xmlns:asvg="http://schemas.microsoft.com/office/drawing/2016/SVG/main" r:embed="rId9"/>
+              </a:ext>
+            </a:extLst>
+          </a:blip>
+          <a:stretch>
+            <a:fillRect/>
+          </a:stretch>
+        </p:blipFill>
+        <p:spPr>
+          <a:xfrm>
+            <a:off x="1087711" y="4456043"/>
+            <a:ext cx="914400" cy="914400"/>
+          </a:xfrm>
+          <a:prstGeom prst="rect">
+            <a:avLst/>
+          </a:prstGeom>
+        </p:spPr>
+      </p:pic>
+      <p:sp>
+        <p:nvSpPr>
+          <p:cNvPr id="4" name="TextBox 3">
+            <a:extLst>
+              <a:ext uri="{FF2B5EF4-FFF2-40B4-BE49-F238E27FC236}">
+                <a16:creationId xmlns:a16="http://schemas.microsoft.com/office/drawing/2014/main" id="{12E2FA3B-EEE8-2FBB-5119-D4BBC41C4B96}"/>
+              </a:ext>
+            </a:extLst>
+          </p:cNvPr>
+          <p:cNvSpPr txBox="1"/>
+          <p:nvPr/>
+        </p:nvSpPr>
+        <p:spPr>
+          <a:xfrm>
+            <a:off x="285498" y="5617520"/>
+            <a:ext cx="2484016" cy="369332"/>
           </a:xfrm>
           <a:prstGeom prst="rect">
             <a:avLst/>
@@ -6117,10 +5755,123 @@
           </a:p>
         </p:txBody>
       </p:sp>
+      <p:pic>
+        <p:nvPicPr>
+          <p:cNvPr id="13" name="Graphic 12" descr="Laptop">
+            <a:extLst>
+              <a:ext uri="{FF2B5EF4-FFF2-40B4-BE49-F238E27FC236}">
+                <a16:creationId xmlns:a16="http://schemas.microsoft.com/office/drawing/2014/main" id="{77D50B0C-A067-74C7-6962-7CFB05FEE07B}"/>
+              </a:ext>
+            </a:extLst>
+          </p:cNvPr>
+          <p:cNvPicPr>
+            <a:picLocks noChangeAspect="1"/>
+          </p:cNvPicPr>
+          <p:nvPr/>
+        </p:nvPicPr>
+        <p:blipFill>
+          <a:blip r:embed="rId10">
+            <a:extLst>
+              <a:ext uri="{28A0092B-C50C-407E-A947-70E740481C1C}">
+                <a14:useLocalDpi xmlns:a14="http://schemas.microsoft.com/office/drawing/2010/main" val="0"/>
+              </a:ext>
+              <a:ext uri="{96DAC541-7B7A-43D3-8B79-37D633B846F1}">
+                <asvg:svgBlip xmlns:asvg="http://schemas.microsoft.com/office/drawing/2016/SVG/main" r:embed="rId11"/>
+              </a:ext>
+            </a:extLst>
+          </a:blip>
+          <a:stretch>
+            <a:fillRect/>
+          </a:stretch>
+        </p:blipFill>
+        <p:spPr>
+          <a:xfrm>
+            <a:off x="418575" y="921360"/>
+            <a:ext cx="914400" cy="914400"/>
+          </a:xfrm>
+          <a:prstGeom prst="rect">
+            <a:avLst/>
+          </a:prstGeom>
+        </p:spPr>
+      </p:pic>
+      <p:pic>
+        <p:nvPicPr>
+          <p:cNvPr id="14" name="Graphic 13" descr="Laptop">
+            <a:extLst>
+              <a:ext uri="{FF2B5EF4-FFF2-40B4-BE49-F238E27FC236}">
+                <a16:creationId xmlns:a16="http://schemas.microsoft.com/office/drawing/2014/main" id="{D289C601-50FF-702F-4773-41130CA27D58}"/>
+              </a:ext>
+            </a:extLst>
+          </p:cNvPr>
+          <p:cNvPicPr>
+            <a:picLocks noChangeAspect="1"/>
+          </p:cNvPicPr>
+          <p:nvPr/>
+        </p:nvPicPr>
+        <p:blipFill>
+          <a:blip r:embed="rId10">
+            <a:extLst>
+              <a:ext uri="{28A0092B-C50C-407E-A947-70E740481C1C}">
+                <a14:useLocalDpi xmlns:a14="http://schemas.microsoft.com/office/drawing/2010/main" val="0"/>
+              </a:ext>
+              <a:ext uri="{96DAC541-7B7A-43D3-8B79-37D633B846F1}">
+                <asvg:svgBlip xmlns:asvg="http://schemas.microsoft.com/office/drawing/2016/SVG/main" r:embed="rId11"/>
+              </a:ext>
+            </a:extLst>
+          </a:blip>
+          <a:stretch>
+            <a:fillRect/>
+          </a:stretch>
+        </p:blipFill>
+        <p:spPr>
+          <a:xfrm>
+            <a:off x="1573858" y="926226"/>
+            <a:ext cx="914400" cy="914400"/>
+          </a:xfrm>
+          <a:prstGeom prst="rect">
+            <a:avLst/>
+          </a:prstGeom>
+        </p:spPr>
+      </p:pic>
+      <p:sp>
+        <p:nvSpPr>
+          <p:cNvPr id="16" name="TextBox 15">
+            <a:extLst>
+              <a:ext uri="{FF2B5EF4-FFF2-40B4-BE49-F238E27FC236}">
+                <a16:creationId xmlns:a16="http://schemas.microsoft.com/office/drawing/2014/main" id="{C86FB194-B2DD-3F2F-F889-A078DD93B5DA}"/>
+              </a:ext>
+            </a:extLst>
+          </p:cNvPr>
+          <p:cNvSpPr txBox="1"/>
+          <p:nvPr/>
+        </p:nvSpPr>
+        <p:spPr>
+          <a:xfrm>
+            <a:off x="1027765" y="766481"/>
+            <a:ext cx="942887" cy="369332"/>
+          </a:xfrm>
+          <a:prstGeom prst="rect">
+            <a:avLst/>
+          </a:prstGeom>
+          <a:noFill/>
+        </p:spPr>
+        <p:txBody>
+          <a:bodyPr wrap="none" rtlCol="0">
+            <a:spAutoFit/>
+          </a:bodyPr>
+          <a:lstStyle/>
+          <a:p>
+            <a:r>
+              <a:rPr lang="en-US" dirty="0"/>
+              <a:t>Displays</a:t>
+            </a:r>
+          </a:p>
+        </p:txBody>
+      </p:sp>
     </p:spTree>
     <p:extLst>
       <p:ext uri="{BB962C8B-B14F-4D97-AF65-F5344CB8AC3E}">
-        <p14:creationId xmlns:p14="http://schemas.microsoft.com/office/powerpoint/2010/main" val="1047715612"/>
+        <p14:creationId xmlns:p14="http://schemas.microsoft.com/office/powerpoint/2010/main" val="2097706456"/>
       </p:ext>
     </p:extLst>
   </p:cSld>
@@ -6217,7 +5968,7 @@
         </p:blipFill>
         <p:spPr>
           <a:xfrm>
-            <a:off x="1502632" y="2811608"/>
+            <a:off x="1166210" y="2811608"/>
             <a:ext cx="457200" cy="457200"/>
           </a:xfrm>
           <a:prstGeom prst="rect">
@@ -6256,7 +6007,7 @@
         </p:blipFill>
         <p:spPr>
           <a:xfrm>
-            <a:off x="2353445" y="2811608"/>
+            <a:off x="1602953" y="2811608"/>
             <a:ext cx="457200" cy="457200"/>
           </a:xfrm>
           <a:prstGeom prst="rect">
@@ -6264,12 +6015,347 @@
           </a:prstGeom>
         </p:spPr>
       </p:pic>
+      <p:cxnSp>
+        <p:nvCxnSpPr>
+          <p:cNvPr id="67" name="Connector: Curved 66">
+            <a:extLst>
+              <a:ext uri="{FF2B5EF4-FFF2-40B4-BE49-F238E27FC236}">
+                <a16:creationId xmlns:a16="http://schemas.microsoft.com/office/drawing/2014/main" id="{3CC4C0E7-8A33-456E-AB9A-19F7E746862F}"/>
+              </a:ext>
+            </a:extLst>
+          </p:cNvPr>
+          <p:cNvCxnSpPr>
+            <a:cxnSpLocks/>
+            <a:stCxn id="19" idx="2"/>
+          </p:cNvCxnSpPr>
+          <p:nvPr/>
+        </p:nvCxnSpPr>
+        <p:spPr>
+          <a:xfrm rot="16200000" flipH="1">
+            <a:off x="1891668" y="3208692"/>
+            <a:ext cx="844910" cy="965141"/>
+          </a:xfrm>
+          <a:prstGeom prst="curvedConnector2">
+            <a:avLst/>
+          </a:prstGeom>
+          <a:ln>
+            <a:headEnd type="triangle"/>
+            <a:tailEnd type="triangle"/>
+          </a:ln>
+        </p:spPr>
+        <p:style>
+          <a:lnRef idx="1">
+            <a:schemeClr val="accent1"/>
+          </a:lnRef>
+          <a:fillRef idx="0">
+            <a:schemeClr val="accent1"/>
+          </a:fillRef>
+          <a:effectRef idx="0">
+            <a:schemeClr val="accent1"/>
+          </a:effectRef>
+          <a:fontRef idx="minor">
+            <a:schemeClr val="tx1"/>
+          </a:fontRef>
+        </p:style>
+      </p:cxnSp>
+      <p:cxnSp>
+        <p:nvCxnSpPr>
+          <p:cNvPr id="69" name="Connector: Curved 68">
+            <a:extLst>
+              <a:ext uri="{FF2B5EF4-FFF2-40B4-BE49-F238E27FC236}">
+                <a16:creationId xmlns:a16="http://schemas.microsoft.com/office/drawing/2014/main" id="{B868B35F-7240-464D-8632-09E3BE0AA964}"/>
+              </a:ext>
+            </a:extLst>
+          </p:cNvPr>
+          <p:cNvCxnSpPr>
+            <a:cxnSpLocks/>
+            <a:stCxn id="18" idx="2"/>
+          </p:cNvCxnSpPr>
+          <p:nvPr/>
+        </p:nvCxnSpPr>
+        <p:spPr>
+          <a:xfrm rot="16200000" flipH="1">
+            <a:off x="1673297" y="2990321"/>
+            <a:ext cx="844910" cy="1401884"/>
+          </a:xfrm>
+          <a:prstGeom prst="curvedConnector2">
+            <a:avLst/>
+          </a:prstGeom>
+          <a:ln>
+            <a:headEnd type="triangle"/>
+            <a:tailEnd type="triangle"/>
+          </a:ln>
+        </p:spPr>
+        <p:style>
+          <a:lnRef idx="1">
+            <a:schemeClr val="accent1"/>
+          </a:lnRef>
+          <a:fillRef idx="0">
+            <a:schemeClr val="accent1"/>
+          </a:fillRef>
+          <a:effectRef idx="0">
+            <a:schemeClr val="accent1"/>
+          </a:effectRef>
+          <a:fontRef idx="minor">
+            <a:schemeClr val="tx1"/>
+          </a:fontRef>
+        </p:style>
+      </p:cxnSp>
+      <p:cxnSp>
+        <p:nvCxnSpPr>
+          <p:cNvPr id="71" name="Connector: Curved 70">
+            <a:extLst>
+              <a:ext uri="{FF2B5EF4-FFF2-40B4-BE49-F238E27FC236}">
+                <a16:creationId xmlns:a16="http://schemas.microsoft.com/office/drawing/2014/main" id="{F4029B8D-7D2F-4A22-8BE2-A243426A9C77}"/>
+              </a:ext>
+            </a:extLst>
+          </p:cNvPr>
+          <p:cNvCxnSpPr>
+            <a:cxnSpLocks/>
+            <a:stCxn id="15" idx="2"/>
+          </p:cNvCxnSpPr>
+          <p:nvPr/>
+        </p:nvCxnSpPr>
+        <p:spPr>
+          <a:xfrm rot="16200000" flipH="1">
+            <a:off x="1416101" y="2733125"/>
+            <a:ext cx="844910" cy="1916275"/>
+          </a:xfrm>
+          <a:prstGeom prst="curvedConnector2">
+            <a:avLst/>
+          </a:prstGeom>
+          <a:ln>
+            <a:headEnd type="triangle"/>
+            <a:tailEnd type="triangle"/>
+          </a:ln>
+        </p:spPr>
+        <p:style>
+          <a:lnRef idx="1">
+            <a:schemeClr val="accent1"/>
+          </a:lnRef>
+          <a:fillRef idx="0">
+            <a:schemeClr val="accent1"/>
+          </a:fillRef>
+          <a:effectRef idx="0">
+            <a:schemeClr val="accent1"/>
+          </a:effectRef>
+          <a:fontRef idx="minor">
+            <a:schemeClr val="tx1"/>
+          </a:fontRef>
+        </p:style>
+      </p:cxnSp>
+      <p:cxnSp>
+        <p:nvCxnSpPr>
+          <p:cNvPr id="121" name="Connector: Curved 120">
+            <a:extLst>
+              <a:ext uri="{FF2B5EF4-FFF2-40B4-BE49-F238E27FC236}">
+                <a16:creationId xmlns:a16="http://schemas.microsoft.com/office/drawing/2014/main" id="{7F9B236A-46B9-4CAA-9E1E-846355322AEF}"/>
+              </a:ext>
+            </a:extLst>
+          </p:cNvPr>
+          <p:cNvCxnSpPr>
+            <a:cxnSpLocks/>
+          </p:cNvCxnSpPr>
+          <p:nvPr/>
+        </p:nvCxnSpPr>
+        <p:spPr>
+          <a:xfrm rot="16200000" flipV="1">
+            <a:off x="1576356" y="2403359"/>
+            <a:ext cx="1909906" cy="716073"/>
+          </a:xfrm>
+          <a:prstGeom prst="curvedConnector3">
+            <a:avLst>
+              <a:gd name="adj1" fmla="val 68518"/>
+            </a:avLst>
+          </a:prstGeom>
+          <a:ln>
+            <a:tailEnd type="triangle"/>
+          </a:ln>
+        </p:spPr>
+        <p:style>
+          <a:lnRef idx="1">
+            <a:schemeClr val="accent1"/>
+          </a:lnRef>
+          <a:fillRef idx="0">
+            <a:schemeClr val="accent1"/>
+          </a:fillRef>
+          <a:effectRef idx="0">
+            <a:schemeClr val="accent1"/>
+          </a:effectRef>
+          <a:fontRef idx="minor">
+            <a:schemeClr val="tx1"/>
+          </a:fontRef>
+        </p:style>
+      </p:cxnSp>
+      <p:cxnSp>
+        <p:nvCxnSpPr>
+          <p:cNvPr id="124" name="Connector: Curved 123">
+            <a:extLst>
+              <a:ext uri="{FF2B5EF4-FFF2-40B4-BE49-F238E27FC236}">
+                <a16:creationId xmlns:a16="http://schemas.microsoft.com/office/drawing/2014/main" id="{53FE312B-72AD-4E57-A253-2FFF7B5C59D1}"/>
+              </a:ext>
+            </a:extLst>
+          </p:cNvPr>
+          <p:cNvCxnSpPr>
+            <a:cxnSpLocks/>
+          </p:cNvCxnSpPr>
+          <p:nvPr/>
+        </p:nvCxnSpPr>
+        <p:spPr>
+          <a:xfrm rot="16200000" flipV="1">
+            <a:off x="987418" y="1844098"/>
+            <a:ext cx="1950673" cy="1875367"/>
+          </a:xfrm>
+          <a:prstGeom prst="curvedConnector3">
+            <a:avLst>
+              <a:gd name="adj1" fmla="val 61940"/>
+            </a:avLst>
+          </a:prstGeom>
+          <a:ln>
+            <a:tailEnd type="triangle"/>
+          </a:ln>
+        </p:spPr>
+        <p:style>
+          <a:lnRef idx="1">
+            <a:schemeClr val="accent1"/>
+          </a:lnRef>
+          <a:fillRef idx="0">
+            <a:schemeClr val="accent1"/>
+          </a:fillRef>
+          <a:effectRef idx="0">
+            <a:schemeClr val="accent1"/>
+          </a:effectRef>
+          <a:fontRef idx="minor">
+            <a:schemeClr val="tx1"/>
+          </a:fontRef>
+        </p:style>
+      </p:cxnSp>
+      <p:cxnSp>
+        <p:nvCxnSpPr>
+          <p:cNvPr id="135" name="Straight Arrow Connector 134">
+            <a:extLst>
+              <a:ext uri="{FF2B5EF4-FFF2-40B4-BE49-F238E27FC236}">
+                <a16:creationId xmlns:a16="http://schemas.microsoft.com/office/drawing/2014/main" id="{E3D4809F-46F2-45AB-9212-B21139D1E38C}"/>
+              </a:ext>
+            </a:extLst>
+          </p:cNvPr>
+          <p:cNvCxnSpPr>
+            <a:cxnSpLocks/>
+          </p:cNvCxnSpPr>
+          <p:nvPr/>
+        </p:nvCxnSpPr>
+        <p:spPr>
+          <a:xfrm>
+            <a:off x="3699330" y="4113718"/>
+            <a:ext cx="945839" cy="0"/>
+          </a:xfrm>
+          <a:prstGeom prst="straightConnector1">
+            <a:avLst/>
+          </a:prstGeom>
+          <a:ln w="53975">
+            <a:tailEnd type="triangle"/>
+          </a:ln>
+        </p:spPr>
+        <p:style>
+          <a:lnRef idx="1">
+            <a:schemeClr val="accent1"/>
+          </a:lnRef>
+          <a:fillRef idx="0">
+            <a:schemeClr val="accent1"/>
+          </a:fillRef>
+          <a:effectRef idx="0">
+            <a:schemeClr val="accent1"/>
+          </a:effectRef>
+          <a:fontRef idx="minor">
+            <a:schemeClr val="tx1"/>
+          </a:fontRef>
+        </p:style>
+      </p:cxnSp>
+      <p:sp>
+        <p:nvSpPr>
+          <p:cNvPr id="141" name="TextBox 140">
+            <a:extLst>
+              <a:ext uri="{FF2B5EF4-FFF2-40B4-BE49-F238E27FC236}">
+                <a16:creationId xmlns:a16="http://schemas.microsoft.com/office/drawing/2014/main" id="{FDFA73C4-2863-4475-A7A2-353585C96372}"/>
+              </a:ext>
+            </a:extLst>
+          </p:cNvPr>
+          <p:cNvSpPr txBox="1"/>
+          <p:nvPr/>
+        </p:nvSpPr>
+        <p:spPr>
+          <a:xfrm>
+            <a:off x="4335825" y="4433612"/>
+            <a:ext cx="1377493" cy="369332"/>
+          </a:xfrm>
+          <a:prstGeom prst="rect">
+            <a:avLst/>
+          </a:prstGeom>
+          <a:noFill/>
+        </p:spPr>
+        <p:txBody>
+          <a:bodyPr wrap="square" rtlCol="0">
+            <a:spAutoFit/>
+          </a:bodyPr>
+          <a:lstStyle/>
+          <a:p>
+            <a:r>
+              <a:rPr lang="en-US" dirty="0"/>
+              <a:t>publicresults</a:t>
+            </a:r>
+          </a:p>
+        </p:txBody>
+      </p:sp>
+      <p:cxnSp>
+        <p:nvCxnSpPr>
+          <p:cNvPr id="143" name="Connector: Curved 142">
+            <a:extLst>
+              <a:ext uri="{FF2B5EF4-FFF2-40B4-BE49-F238E27FC236}">
+                <a16:creationId xmlns:a16="http://schemas.microsoft.com/office/drawing/2014/main" id="{EA06EC34-A278-408E-A58E-B30BBF510876}"/>
+              </a:ext>
+            </a:extLst>
+          </p:cNvPr>
+          <p:cNvCxnSpPr>
+            <a:cxnSpLocks/>
+            <a:endCxn id="45" idx="2"/>
+          </p:cNvCxnSpPr>
+          <p:nvPr/>
+        </p:nvCxnSpPr>
+        <p:spPr>
+          <a:xfrm rot="5400000" flipH="1" flipV="1">
+            <a:off x="4365388" y="3013064"/>
+            <a:ext cx="1337383" cy="19018"/>
+          </a:xfrm>
+          <a:prstGeom prst="curvedConnector3">
+            <a:avLst>
+              <a:gd name="adj1" fmla="val 50000"/>
+            </a:avLst>
+          </a:prstGeom>
+          <a:ln>
+            <a:tailEnd type="triangle"/>
+          </a:ln>
+        </p:spPr>
+        <p:style>
+          <a:lnRef idx="1">
+            <a:schemeClr val="accent1"/>
+          </a:lnRef>
+          <a:fillRef idx="0">
+            <a:schemeClr val="accent1"/>
+          </a:fillRef>
+          <a:effectRef idx="0">
+            <a:schemeClr val="accent1"/>
+          </a:effectRef>
+          <a:fontRef idx="minor">
+            <a:schemeClr val="tx1"/>
+          </a:fontRef>
+        </p:style>
+      </p:cxnSp>
       <p:pic>
         <p:nvPicPr>
-          <p:cNvPr id="42" name="Graphic 41" descr="Laptop">
-            <a:extLst>
-              <a:ext uri="{FF2B5EF4-FFF2-40B4-BE49-F238E27FC236}">
-                <a16:creationId xmlns:a16="http://schemas.microsoft.com/office/drawing/2014/main" id="{30258E07-778B-4C23-82CB-8374A76FC366}"/>
+          <p:cNvPr id="6" name="Graphic 5" descr="Smart Phone">
+            <a:extLst>
+              <a:ext uri="{FF2B5EF4-FFF2-40B4-BE49-F238E27FC236}">
+                <a16:creationId xmlns:a16="http://schemas.microsoft.com/office/drawing/2014/main" id="{BED10CFA-E443-9C81-0F68-A9E8C92D5B0A}"/>
               </a:ext>
             </a:extLst>
           </p:cNvPr>
@@ -6279,13 +6365,13 @@
           <p:nvPr/>
         </p:nvPicPr>
         <p:blipFill>
-          <a:blip r:embed="rId4">
+          <a:blip r:embed="rId2">
             <a:extLst>
               <a:ext uri="{28A0092B-C50C-407E-A947-70E740481C1C}">
                 <a14:useLocalDpi xmlns:a14="http://schemas.microsoft.com/office/drawing/2010/main" val="0"/>
               </a:ext>
               <a:ext uri="{96DAC541-7B7A-43D3-8B79-37D633B846F1}">
-                <asvg:svgBlip xmlns:asvg="http://schemas.microsoft.com/office/drawing/2016/SVG/main" r:embed="rId5"/>
+                <asvg:svgBlip xmlns:asvg="http://schemas.microsoft.com/office/drawing/2016/SVG/main" r:embed="rId3"/>
               </a:ext>
             </a:extLst>
           </a:blip>
@@ -6295,8 +6381,8 @@
         </p:blipFill>
         <p:spPr>
           <a:xfrm>
-            <a:off x="869972" y="4073656"/>
-            <a:ext cx="914400" cy="914400"/>
+            <a:off x="4795971" y="1316174"/>
+            <a:ext cx="457200" cy="457200"/>
           </a:xfrm>
           <a:prstGeom prst="rect">
             <a:avLst/>
@@ -6305,10 +6391,92 @@
       </p:pic>
       <p:sp>
         <p:nvSpPr>
-          <p:cNvPr id="47" name="Graphic 45" descr="Cloud">
-            <a:extLst>
-              <a:ext uri="{FF2B5EF4-FFF2-40B4-BE49-F238E27FC236}">
-                <a16:creationId xmlns:a16="http://schemas.microsoft.com/office/drawing/2014/main" id="{2C50AF59-EF21-455C-ADD4-67B324FF4541}"/>
+          <p:cNvPr id="45" name="TextBox 44">
+            <a:extLst>
+              <a:ext uri="{FF2B5EF4-FFF2-40B4-BE49-F238E27FC236}">
+                <a16:creationId xmlns:a16="http://schemas.microsoft.com/office/drawing/2014/main" id="{F4AB2A22-B940-7C0F-21F5-630FF00120BD}"/>
+              </a:ext>
+            </a:extLst>
+          </p:cNvPr>
+          <p:cNvSpPr txBox="1"/>
+          <p:nvPr/>
+        </p:nvSpPr>
+        <p:spPr>
+          <a:xfrm>
+            <a:off x="4623440" y="1776800"/>
+            <a:ext cx="840295" cy="577081"/>
+          </a:xfrm>
+          <a:prstGeom prst="rect">
+            <a:avLst/>
+          </a:prstGeom>
+          <a:noFill/>
+        </p:spPr>
+        <p:txBody>
+          <a:bodyPr wrap="square" rtlCol="0">
+            <a:spAutoFit/>
+          </a:bodyPr>
+          <a:lstStyle/>
+          <a:p>
+            <a:pPr algn="ctr"/>
+            <a:r>
+              <a:rPr lang="en-US" sz="1050" dirty="0"/>
+              <a:t>Internet-accessed</a:t>
+            </a:r>
+            <a:br>
+              <a:rPr lang="en-US" sz="1050" dirty="0"/>
+            </a:br>
+            <a:r>
+              <a:rPr lang="en-US" sz="1050" dirty="0"/>
+              <a:t>Scoreboard</a:t>
+            </a:r>
+          </a:p>
+        </p:txBody>
+      </p:sp>
+      <p:pic>
+        <p:nvPicPr>
+          <p:cNvPr id="50" name="Graphic 49" descr="Server">
+            <a:extLst>
+              <a:ext uri="{FF2B5EF4-FFF2-40B4-BE49-F238E27FC236}">
+                <a16:creationId xmlns:a16="http://schemas.microsoft.com/office/drawing/2014/main" id="{B8C8395B-044C-245A-B324-865A6E687529}"/>
+              </a:ext>
+            </a:extLst>
+          </p:cNvPr>
+          <p:cNvPicPr>
+            <a:picLocks noChangeAspect="1"/>
+          </p:cNvPicPr>
+          <p:nvPr/>
+        </p:nvPicPr>
+        <p:blipFill>
+          <a:blip r:embed="rId4">
+            <a:extLst>
+              <a:ext uri="{28A0092B-C50C-407E-A947-70E740481C1C}">
+                <a14:useLocalDpi xmlns:a14="http://schemas.microsoft.com/office/drawing/2010/main" val="0"/>
+              </a:ext>
+              <a:ext uri="{96DAC541-7B7A-43D3-8B79-37D633B846F1}">
+                <asvg:svgBlip xmlns:asvg="http://schemas.microsoft.com/office/drawing/2016/SVG/main" r:embed="rId5"/>
+              </a:ext>
+            </a:extLst>
+          </a:blip>
+          <a:stretch>
+            <a:fillRect/>
+          </a:stretch>
+        </p:blipFill>
+        <p:spPr>
+          <a:xfrm>
+            <a:off x="4589183" y="3656518"/>
+            <a:ext cx="914400" cy="914400"/>
+          </a:xfrm>
+          <a:prstGeom prst="rect">
+            <a:avLst/>
+          </a:prstGeom>
+        </p:spPr>
+      </p:pic>
+      <p:sp>
+        <p:nvSpPr>
+          <p:cNvPr id="2" name="Rectangle 1">
+            <a:extLst>
+              <a:ext uri="{FF2B5EF4-FFF2-40B4-BE49-F238E27FC236}">
+                <a16:creationId xmlns:a16="http://schemas.microsoft.com/office/drawing/2014/main" id="{F5100FEA-6C24-1222-FB4A-4EF6532145B6}"/>
               </a:ext>
             </a:extLst>
           </p:cNvPr>
@@ -6317,8 +6485,235 @@
         </p:nvSpPr>
         <p:spPr>
           <a:xfrm>
-            <a:off x="6208674" y="3230706"/>
-            <a:ext cx="2106651" cy="1539278"/>
+            <a:off x="298581" y="501110"/>
+            <a:ext cx="3516861" cy="5492108"/>
+          </a:xfrm>
+          <a:prstGeom prst="rect">
+            <a:avLst/>
+          </a:prstGeom>
+          <a:noFill/>
+        </p:spPr>
+        <p:style>
+          <a:lnRef idx="2">
+            <a:schemeClr val="accent1">
+              <a:shade val="50000"/>
+            </a:schemeClr>
+          </a:lnRef>
+          <a:fillRef idx="1">
+            <a:schemeClr val="accent1"/>
+          </a:fillRef>
+          <a:effectRef idx="0">
+            <a:schemeClr val="accent1"/>
+          </a:effectRef>
+          <a:fontRef idx="minor">
+            <a:schemeClr val="lt1"/>
+          </a:fontRef>
+        </p:style>
+        <p:txBody>
+          <a:bodyPr rtlCol="0" anchor="ctr"/>
+          <a:lstStyle/>
+          <a:p>
+            <a:pPr algn="ctr"/>
+            <a:endParaRPr lang="en-US" dirty="0"/>
+          </a:p>
+        </p:txBody>
+      </p:sp>
+      <p:sp>
+        <p:nvSpPr>
+          <p:cNvPr id="3" name="TextBox 2">
+            <a:extLst>
+              <a:ext uri="{FF2B5EF4-FFF2-40B4-BE49-F238E27FC236}">
+                <a16:creationId xmlns:a16="http://schemas.microsoft.com/office/drawing/2014/main" id="{970D06AB-77A6-827C-D053-6136DCDB3474}"/>
+              </a:ext>
+            </a:extLst>
+          </p:cNvPr>
+          <p:cNvSpPr txBox="1"/>
+          <p:nvPr/>
+        </p:nvSpPr>
+        <p:spPr>
+          <a:xfrm>
+            <a:off x="285498" y="5617520"/>
+            <a:ext cx="2484016" cy="369332"/>
+          </a:xfrm>
+          <a:prstGeom prst="rect">
+            <a:avLst/>
+          </a:prstGeom>
+          <a:noFill/>
+        </p:spPr>
+        <p:txBody>
+          <a:bodyPr wrap="square" rtlCol="0">
+            <a:spAutoFit/>
+          </a:bodyPr>
+          <a:lstStyle/>
+          <a:p>
+            <a:r>
+              <a:rPr lang="en-US" i="1" dirty="0"/>
+              <a:t>Competition Site</a:t>
+            </a:r>
+          </a:p>
+        </p:txBody>
+      </p:sp>
+      <p:sp>
+        <p:nvSpPr>
+          <p:cNvPr id="5" name="TextBox 4">
+            <a:extLst>
+              <a:ext uri="{FF2B5EF4-FFF2-40B4-BE49-F238E27FC236}">
+                <a16:creationId xmlns:a16="http://schemas.microsoft.com/office/drawing/2014/main" id="{E88597B3-9330-A16B-795F-4C465CAEF8C9}"/>
+              </a:ext>
+            </a:extLst>
+          </p:cNvPr>
+          <p:cNvSpPr txBox="1"/>
+          <p:nvPr/>
+        </p:nvSpPr>
+        <p:spPr>
+          <a:xfrm>
+            <a:off x="809016" y="2460195"/>
+            <a:ext cx="1110898" cy="369332"/>
+          </a:xfrm>
+          <a:prstGeom prst="rect">
+            <a:avLst/>
+          </a:prstGeom>
+          <a:noFill/>
+        </p:spPr>
+        <p:txBody>
+          <a:bodyPr wrap="square">
+            <a:spAutoFit/>
+          </a:bodyPr>
+          <a:lstStyle/>
+          <a:p>
+            <a:r>
+              <a:rPr lang="en-US" dirty="0"/>
+              <a:t>Referees</a:t>
+            </a:r>
+            <a:endParaRPr lang="en-CA" dirty="0"/>
+          </a:p>
+        </p:txBody>
+      </p:sp>
+      <p:sp>
+        <p:nvSpPr>
+          <p:cNvPr id="8" name="TextBox 7">
+            <a:extLst>
+              <a:ext uri="{FF2B5EF4-FFF2-40B4-BE49-F238E27FC236}">
+                <a16:creationId xmlns:a16="http://schemas.microsoft.com/office/drawing/2014/main" id="{3804DF01-C511-ED65-9989-F44F7AB2163E}"/>
+              </a:ext>
+            </a:extLst>
+          </p:cNvPr>
+          <p:cNvSpPr txBox="1"/>
+          <p:nvPr/>
+        </p:nvSpPr>
+        <p:spPr>
+          <a:xfrm>
+            <a:off x="2798349" y="4375468"/>
+            <a:ext cx="895502" cy="369332"/>
+          </a:xfrm>
+          <a:prstGeom prst="rect">
+            <a:avLst/>
+          </a:prstGeom>
+          <a:noFill/>
+        </p:spPr>
+        <p:txBody>
+          <a:bodyPr wrap="none" rtlCol="0">
+            <a:spAutoFit/>
+          </a:bodyPr>
+          <a:lstStyle/>
+          <a:p>
+            <a:r>
+              <a:rPr lang="en-US" dirty="0"/>
+              <a:t>owlcms</a:t>
+            </a:r>
+          </a:p>
+        </p:txBody>
+      </p:sp>
+      <p:sp>
+        <p:nvSpPr>
+          <p:cNvPr id="10" name="TextBox 9">
+            <a:extLst>
+              <a:ext uri="{FF2B5EF4-FFF2-40B4-BE49-F238E27FC236}">
+                <a16:creationId xmlns:a16="http://schemas.microsoft.com/office/drawing/2014/main" id="{EF31240E-65D8-199E-85D1-677B4950C62B}"/>
+              </a:ext>
+            </a:extLst>
+          </p:cNvPr>
+          <p:cNvSpPr txBox="1"/>
+          <p:nvPr/>
+        </p:nvSpPr>
+        <p:spPr>
+          <a:xfrm>
+            <a:off x="2642248" y="4665350"/>
+            <a:ext cx="1220206" cy="369332"/>
+          </a:xfrm>
+          <a:prstGeom prst="rect">
+            <a:avLst/>
+          </a:prstGeom>
+          <a:noFill/>
+        </p:spPr>
+        <p:txBody>
+          <a:bodyPr wrap="none" rtlCol="0">
+            <a:spAutoFit/>
+          </a:bodyPr>
+          <a:lstStyle/>
+          <a:p>
+            <a:r>
+              <a:rPr lang="en-US" dirty="0"/>
+              <a:t>Announcer</a:t>
+            </a:r>
+          </a:p>
+        </p:txBody>
+      </p:sp>
+      <p:pic>
+        <p:nvPicPr>
+          <p:cNvPr id="11" name="Graphic 10" descr="Laptop">
+            <a:extLst>
+              <a:ext uri="{FF2B5EF4-FFF2-40B4-BE49-F238E27FC236}">
+                <a16:creationId xmlns:a16="http://schemas.microsoft.com/office/drawing/2014/main" id="{032C1AB0-6E58-5751-7C29-79736D414132}"/>
+              </a:ext>
+            </a:extLst>
+          </p:cNvPr>
+          <p:cNvPicPr>
+            <a:picLocks noChangeAspect="1"/>
+          </p:cNvPicPr>
+          <p:nvPr/>
+        </p:nvPicPr>
+        <p:blipFill>
+          <a:blip r:embed="rId6">
+            <a:extLst>
+              <a:ext uri="{28A0092B-C50C-407E-A947-70E740481C1C}">
+                <a14:useLocalDpi xmlns:a14="http://schemas.microsoft.com/office/drawing/2010/main" val="0"/>
+              </a:ext>
+              <a:ext uri="{96DAC541-7B7A-43D3-8B79-37D633B846F1}">
+                <asvg:svgBlip xmlns:asvg="http://schemas.microsoft.com/office/drawing/2016/SVG/main" r:embed="rId7"/>
+              </a:ext>
+            </a:extLst>
+          </a:blip>
+          <a:stretch>
+            <a:fillRect/>
+          </a:stretch>
+        </p:blipFill>
+        <p:spPr>
+          <a:xfrm>
+            <a:off x="2788900" y="3620508"/>
+            <a:ext cx="914400" cy="914400"/>
+          </a:xfrm>
+          <a:prstGeom prst="rect">
+            <a:avLst/>
+          </a:prstGeom>
+        </p:spPr>
+      </p:pic>
+      <p:sp>
+        <p:nvSpPr>
+          <p:cNvPr id="13" name="Graphic 45" descr="Cloud">
+            <a:extLst>
+              <a:ext uri="{FF2B5EF4-FFF2-40B4-BE49-F238E27FC236}">
+                <a16:creationId xmlns:a16="http://schemas.microsoft.com/office/drawing/2014/main" id="{EBFCEE4E-E549-41A8-11F9-8FE6FCA09358}"/>
+              </a:ext>
+            </a:extLst>
+          </p:cNvPr>
+          <p:cNvSpPr/>
+          <p:nvPr/>
+        </p:nvSpPr>
+        <p:spPr>
+          <a:xfrm>
+            <a:off x="3938911" y="3317027"/>
+            <a:ext cx="2157090" cy="1516225"/>
           </a:xfrm>
           <a:custGeom>
             <a:avLst/>
@@ -6666,6 +7061,266 @@
           </a:p>
         </p:txBody>
       </p:sp>
+      <p:pic>
+        <p:nvPicPr>
+          <p:cNvPr id="14" name="Graphic 13" descr="Laptop">
+            <a:extLst>
+              <a:ext uri="{FF2B5EF4-FFF2-40B4-BE49-F238E27FC236}">
+                <a16:creationId xmlns:a16="http://schemas.microsoft.com/office/drawing/2014/main" id="{26507636-5BF9-A566-551D-88347A7A8AE5}"/>
+              </a:ext>
+            </a:extLst>
+          </p:cNvPr>
+          <p:cNvPicPr>
+            <a:picLocks noChangeAspect="1"/>
+          </p:cNvPicPr>
+          <p:nvPr/>
+        </p:nvPicPr>
+        <p:blipFill>
+          <a:blip r:embed="rId8">
+            <a:extLst>
+              <a:ext uri="{28A0092B-C50C-407E-A947-70E740481C1C}">
+                <a14:useLocalDpi xmlns:a14="http://schemas.microsoft.com/office/drawing/2010/main" val="0"/>
+              </a:ext>
+              <a:ext uri="{96DAC541-7B7A-43D3-8B79-37D633B846F1}">
+                <asvg:svgBlip xmlns:asvg="http://schemas.microsoft.com/office/drawing/2016/SVG/main" r:embed="rId9"/>
+              </a:ext>
+            </a:extLst>
+          </a:blip>
+          <a:stretch>
+            <a:fillRect/>
+          </a:stretch>
+        </p:blipFill>
+        <p:spPr>
+          <a:xfrm>
+            <a:off x="418575" y="921360"/>
+            <a:ext cx="914400" cy="914400"/>
+          </a:xfrm>
+          <a:prstGeom prst="rect">
+            <a:avLst/>
+          </a:prstGeom>
+        </p:spPr>
+      </p:pic>
+      <p:pic>
+        <p:nvPicPr>
+          <p:cNvPr id="16" name="Graphic 15" descr="Laptop">
+            <a:extLst>
+              <a:ext uri="{FF2B5EF4-FFF2-40B4-BE49-F238E27FC236}">
+                <a16:creationId xmlns:a16="http://schemas.microsoft.com/office/drawing/2014/main" id="{25EE337F-0466-5516-42EF-B6DFEECC71A4}"/>
+              </a:ext>
+            </a:extLst>
+          </p:cNvPr>
+          <p:cNvPicPr>
+            <a:picLocks noChangeAspect="1"/>
+          </p:cNvPicPr>
+          <p:nvPr/>
+        </p:nvPicPr>
+        <p:blipFill>
+          <a:blip r:embed="rId8">
+            <a:extLst>
+              <a:ext uri="{28A0092B-C50C-407E-A947-70E740481C1C}">
+                <a14:useLocalDpi xmlns:a14="http://schemas.microsoft.com/office/drawing/2010/main" val="0"/>
+              </a:ext>
+              <a:ext uri="{96DAC541-7B7A-43D3-8B79-37D633B846F1}">
+                <asvg:svgBlip xmlns:asvg="http://schemas.microsoft.com/office/drawing/2016/SVG/main" r:embed="rId9"/>
+              </a:ext>
+            </a:extLst>
+          </a:blip>
+          <a:stretch>
+            <a:fillRect/>
+          </a:stretch>
+        </p:blipFill>
+        <p:spPr>
+          <a:xfrm>
+            <a:off x="1573858" y="926226"/>
+            <a:ext cx="914400" cy="914400"/>
+          </a:xfrm>
+          <a:prstGeom prst="rect">
+            <a:avLst/>
+          </a:prstGeom>
+        </p:spPr>
+      </p:pic>
+      <p:sp>
+        <p:nvSpPr>
+          <p:cNvPr id="17" name="TextBox 16">
+            <a:extLst>
+              <a:ext uri="{FF2B5EF4-FFF2-40B4-BE49-F238E27FC236}">
+                <a16:creationId xmlns:a16="http://schemas.microsoft.com/office/drawing/2014/main" id="{4D9D5D71-B661-8324-CDBF-C6D9B3553601}"/>
+              </a:ext>
+            </a:extLst>
+          </p:cNvPr>
+          <p:cNvSpPr txBox="1"/>
+          <p:nvPr/>
+        </p:nvSpPr>
+        <p:spPr>
+          <a:xfrm>
+            <a:off x="1027765" y="766481"/>
+            <a:ext cx="942887" cy="369332"/>
+          </a:xfrm>
+          <a:prstGeom prst="rect">
+            <a:avLst/>
+          </a:prstGeom>
+          <a:noFill/>
+        </p:spPr>
+        <p:txBody>
+          <a:bodyPr wrap="none" rtlCol="0">
+            <a:spAutoFit/>
+          </a:bodyPr>
+          <a:lstStyle/>
+          <a:p>
+            <a:r>
+              <a:rPr lang="en-US" dirty="0"/>
+              <a:t>Displays</a:t>
+            </a:r>
+          </a:p>
+        </p:txBody>
+      </p:sp>
+    </p:spTree>
+    <p:extLst>
+      <p:ext uri="{BB962C8B-B14F-4D97-AF65-F5344CB8AC3E}">
+        <p14:creationId xmlns:p14="http://schemas.microsoft.com/office/powerpoint/2010/main" val="2107867922"/>
+      </p:ext>
+    </p:extLst>
+  </p:cSld>
+  <p:clrMapOvr>
+    <a:masterClrMapping/>
+  </p:clrMapOvr>
+</p:sld>
+</file>
+
+<file path=ppt/slides/slide4.xml><?xml version="1.0" encoding="utf-8"?>
+<p:sld xmlns:a="http://schemas.openxmlformats.org/drawingml/2006/main" xmlns:r="http://schemas.openxmlformats.org/officeDocument/2006/relationships" xmlns:p="http://schemas.openxmlformats.org/presentationml/2006/main">
+  <p:cSld>
+    <p:spTree>
+      <p:nvGrpSpPr>
+        <p:cNvPr id="1" name=""/>
+        <p:cNvGrpSpPr/>
+        <p:nvPr/>
+      </p:nvGrpSpPr>
+      <p:grpSpPr>
+        <a:xfrm>
+          <a:off x="0" y="0"/>
+          <a:ext cx="0" cy="0"/>
+          <a:chOff x="0" y="0"/>
+          <a:chExt cx="0" cy="0"/>
+        </a:xfrm>
+      </p:grpSpPr>
+      <p:pic>
+        <p:nvPicPr>
+          <p:cNvPr id="15" name="Graphic 14" descr="Smart Phone">
+            <a:extLst>
+              <a:ext uri="{FF2B5EF4-FFF2-40B4-BE49-F238E27FC236}">
+                <a16:creationId xmlns:a16="http://schemas.microsoft.com/office/drawing/2014/main" id="{B26F2D9A-0389-4F5E-9CE3-76AE6DBD72D8}"/>
+              </a:ext>
+            </a:extLst>
+          </p:cNvPr>
+          <p:cNvPicPr>
+            <a:picLocks noChangeAspect="1"/>
+          </p:cNvPicPr>
+          <p:nvPr/>
+        </p:nvPicPr>
+        <p:blipFill>
+          <a:blip r:embed="rId2">
+            <a:extLst>
+              <a:ext uri="{28A0092B-C50C-407E-A947-70E740481C1C}">
+                <a14:useLocalDpi xmlns:a14="http://schemas.microsoft.com/office/drawing/2010/main" val="0"/>
+              </a:ext>
+              <a:ext uri="{96DAC541-7B7A-43D3-8B79-37D633B846F1}">
+                <asvg:svgBlip xmlns:asvg="http://schemas.microsoft.com/office/drawing/2016/SVG/main" r:embed="rId3"/>
+              </a:ext>
+            </a:extLst>
+          </a:blip>
+          <a:stretch>
+            <a:fillRect/>
+          </a:stretch>
+        </p:blipFill>
+        <p:spPr>
+          <a:xfrm>
+            <a:off x="651819" y="2811608"/>
+            <a:ext cx="457200" cy="457200"/>
+          </a:xfrm>
+          <a:prstGeom prst="rect">
+            <a:avLst/>
+          </a:prstGeom>
+        </p:spPr>
+      </p:pic>
+      <p:pic>
+        <p:nvPicPr>
+          <p:cNvPr id="18" name="Graphic 17" descr="Smart Phone">
+            <a:extLst>
+              <a:ext uri="{FF2B5EF4-FFF2-40B4-BE49-F238E27FC236}">
+                <a16:creationId xmlns:a16="http://schemas.microsoft.com/office/drawing/2014/main" id="{A68D5361-5BF4-4832-A4CD-48D24331CBA2}"/>
+              </a:ext>
+            </a:extLst>
+          </p:cNvPr>
+          <p:cNvPicPr>
+            <a:picLocks noChangeAspect="1"/>
+          </p:cNvPicPr>
+          <p:nvPr/>
+        </p:nvPicPr>
+        <p:blipFill>
+          <a:blip r:embed="rId2">
+            <a:extLst>
+              <a:ext uri="{28A0092B-C50C-407E-A947-70E740481C1C}">
+                <a14:useLocalDpi xmlns:a14="http://schemas.microsoft.com/office/drawing/2010/main" val="0"/>
+              </a:ext>
+              <a:ext uri="{96DAC541-7B7A-43D3-8B79-37D633B846F1}">
+                <asvg:svgBlip xmlns:asvg="http://schemas.microsoft.com/office/drawing/2016/SVG/main" r:embed="rId3"/>
+              </a:ext>
+            </a:extLst>
+          </a:blip>
+          <a:stretch>
+            <a:fillRect/>
+          </a:stretch>
+        </p:blipFill>
+        <p:spPr>
+          <a:xfrm>
+            <a:off x="1166210" y="2811608"/>
+            <a:ext cx="457200" cy="457200"/>
+          </a:xfrm>
+          <a:prstGeom prst="rect">
+            <a:avLst/>
+          </a:prstGeom>
+        </p:spPr>
+      </p:pic>
+      <p:pic>
+        <p:nvPicPr>
+          <p:cNvPr id="19" name="Graphic 18" descr="Smart Phone">
+            <a:extLst>
+              <a:ext uri="{FF2B5EF4-FFF2-40B4-BE49-F238E27FC236}">
+                <a16:creationId xmlns:a16="http://schemas.microsoft.com/office/drawing/2014/main" id="{A4F2E9AB-1654-42A4-96CE-56E364489C90}"/>
+              </a:ext>
+            </a:extLst>
+          </p:cNvPr>
+          <p:cNvPicPr>
+            <a:picLocks noChangeAspect="1"/>
+          </p:cNvPicPr>
+          <p:nvPr/>
+        </p:nvPicPr>
+        <p:blipFill>
+          <a:blip r:embed="rId2">
+            <a:extLst>
+              <a:ext uri="{28A0092B-C50C-407E-A947-70E740481C1C}">
+                <a14:useLocalDpi xmlns:a14="http://schemas.microsoft.com/office/drawing/2010/main" val="0"/>
+              </a:ext>
+              <a:ext uri="{96DAC541-7B7A-43D3-8B79-37D633B846F1}">
+                <asvg:svgBlip xmlns:asvg="http://schemas.microsoft.com/office/drawing/2016/SVG/main" r:embed="rId3"/>
+              </a:ext>
+            </a:extLst>
+          </a:blip>
+          <a:stretch>
+            <a:fillRect/>
+          </a:stretch>
+        </p:blipFill>
+        <p:spPr>
+          <a:xfrm>
+            <a:off x="1602953" y="2811608"/>
+            <a:ext cx="457200" cy="457200"/>
+          </a:xfrm>
+          <a:prstGeom prst="rect">
+            <a:avLst/>
+          </a:prstGeom>
+        </p:spPr>
+      </p:pic>
       <p:cxnSp>
         <p:nvCxnSpPr>
           <p:cNvPr id="67" name="Connector: Curved 66">
@@ -6683,8 +7338,8 @@
         </p:nvCxnSpPr>
         <p:spPr>
           <a:xfrm rot="16200000" flipH="1">
-            <a:off x="3439052" y="2411801"/>
-            <a:ext cx="744724" cy="2458738"/>
+            <a:off x="1891668" y="3208692"/>
+            <a:ext cx="844910" cy="965141"/>
           </a:xfrm>
           <a:prstGeom prst="curvedConnector2">
             <a:avLst/>
@@ -6726,8 +7381,8 @@
         </p:nvCxnSpPr>
         <p:spPr>
           <a:xfrm rot="16200000" flipH="1">
-            <a:off x="3013645" y="1986394"/>
-            <a:ext cx="744725" cy="3309551"/>
+            <a:off x="1673297" y="2990321"/>
+            <a:ext cx="844910" cy="1401884"/>
           </a:xfrm>
           <a:prstGeom prst="curvedConnector2">
             <a:avLst/>
@@ -6769,56 +7424,11 @@
         </p:nvCxnSpPr>
         <p:spPr>
           <a:xfrm rot="16200000" flipH="1">
-            <a:off x="2588240" y="1560987"/>
-            <a:ext cx="744725" cy="4160366"/>
+            <a:off x="1416101" y="2733125"/>
+            <a:ext cx="844910" cy="1916275"/>
           </a:xfrm>
           <a:prstGeom prst="curvedConnector2">
             <a:avLst/>
-          </a:prstGeom>
-          <a:ln>
-            <a:headEnd type="triangle"/>
-            <a:tailEnd type="triangle"/>
-          </a:ln>
-        </p:spPr>
-        <p:style>
-          <a:lnRef idx="1">
-            <a:schemeClr val="accent1"/>
-          </a:lnRef>
-          <a:fillRef idx="0">
-            <a:schemeClr val="accent1"/>
-          </a:fillRef>
-          <a:effectRef idx="0">
-            <a:schemeClr val="accent1"/>
-          </a:effectRef>
-          <a:fontRef idx="minor">
-            <a:schemeClr val="tx1"/>
-          </a:fontRef>
-        </p:style>
-      </p:cxnSp>
-      <p:cxnSp>
-        <p:nvCxnSpPr>
-          <p:cNvPr id="76" name="Connector: Curved 75">
-            <a:extLst>
-              <a:ext uri="{FF2B5EF4-FFF2-40B4-BE49-F238E27FC236}">
-                <a16:creationId xmlns:a16="http://schemas.microsoft.com/office/drawing/2014/main" id="{B0E96370-52C4-45E3-ABB7-F38BD45E9E71}"/>
-              </a:ext>
-            </a:extLst>
-          </p:cNvPr>
-          <p:cNvCxnSpPr>
-            <a:cxnSpLocks/>
-            <a:stCxn id="42" idx="3"/>
-          </p:cNvCxnSpPr>
-          <p:nvPr/>
-        </p:nvCxnSpPr>
-        <p:spPr>
-          <a:xfrm flipV="1">
-            <a:off x="1784372" y="4013533"/>
-            <a:ext cx="3256411" cy="517323"/>
-          </a:xfrm>
-          <a:prstGeom prst="curvedConnector3">
-            <a:avLst>
-              <a:gd name="adj1" fmla="val 50000"/>
-            </a:avLst>
           </a:prstGeom>
           <a:ln>
             <a:headEnd type="triangle"/>
@@ -6856,12 +7466,12 @@
         </p:nvCxnSpPr>
         <p:spPr>
           <a:xfrm rot="16200000" flipV="1">
-            <a:off x="2610600" y="668950"/>
-            <a:ext cx="1776328" cy="3998439"/>
+            <a:off x="1576356" y="2403359"/>
+            <a:ext cx="1909906" cy="716073"/>
           </a:xfrm>
           <a:prstGeom prst="curvedConnector3">
             <a:avLst>
-              <a:gd name="adj1" fmla="val 50000"/>
+              <a:gd name="adj1" fmla="val 68518"/>
             </a:avLst>
           </a:prstGeom>
           <a:ln>
@@ -6899,12 +7509,12 @@
         </p:nvCxnSpPr>
         <p:spPr>
           <a:xfrm rot="16200000" flipV="1">
-            <a:off x="3234876" y="1293226"/>
-            <a:ext cx="1772202" cy="2754013"/>
+            <a:off x="987418" y="1844098"/>
+            <a:ext cx="1950673" cy="1875367"/>
           </a:xfrm>
           <a:prstGeom prst="curvedConnector3">
             <a:avLst>
-              <a:gd name="adj1" fmla="val 59137"/>
+              <a:gd name="adj1" fmla="val 61940"/>
             </a:avLst>
           </a:prstGeom>
           <a:ln>
@@ -6928,546 +7538,6 @@
       </p:cxnSp>
       <p:sp>
         <p:nvSpPr>
-          <p:cNvPr id="127" name="TextBox 126">
-            <a:extLst>
-              <a:ext uri="{FF2B5EF4-FFF2-40B4-BE49-F238E27FC236}">
-                <a16:creationId xmlns:a16="http://schemas.microsoft.com/office/drawing/2014/main" id="{A47218F2-E193-4C56-B84B-B091AAEC9625}"/>
-              </a:ext>
-            </a:extLst>
-          </p:cNvPr>
-          <p:cNvSpPr txBox="1"/>
-          <p:nvPr/>
-        </p:nvSpPr>
-        <p:spPr>
-          <a:xfrm>
-            <a:off x="1522316" y="1527054"/>
-            <a:ext cx="1343573" cy="369332"/>
-          </a:xfrm>
-          <a:prstGeom prst="rect">
-            <a:avLst/>
-          </a:prstGeom>
-          <a:noFill/>
-        </p:spPr>
-        <p:txBody>
-          <a:bodyPr wrap="none" rtlCol="0">
-            <a:spAutoFit/>
-          </a:bodyPr>
-          <a:lstStyle/>
-          <a:p>
-            <a:r>
-              <a:rPr lang="en-US" dirty="0"/>
-              <a:t>Scoreboards</a:t>
-            </a:r>
-          </a:p>
-        </p:txBody>
-      </p:sp>
-      <p:sp>
-        <p:nvSpPr>
-          <p:cNvPr id="128" name="TextBox 127">
-            <a:extLst>
-              <a:ext uri="{FF2B5EF4-FFF2-40B4-BE49-F238E27FC236}">
-                <a16:creationId xmlns:a16="http://schemas.microsoft.com/office/drawing/2014/main" id="{AE1A24CB-D856-4574-A0B7-39AB7B963F94}"/>
-              </a:ext>
-            </a:extLst>
-          </p:cNvPr>
-          <p:cNvSpPr txBox="1"/>
-          <p:nvPr/>
-        </p:nvSpPr>
-        <p:spPr>
-          <a:xfrm>
-            <a:off x="2789689" y="2745617"/>
-            <a:ext cx="1444626" cy="646331"/>
-          </a:xfrm>
-          <a:prstGeom prst="rect">
-            <a:avLst/>
-          </a:prstGeom>
-          <a:noFill/>
-        </p:spPr>
-        <p:txBody>
-          <a:bodyPr wrap="none" rtlCol="0">
-            <a:spAutoFit/>
-          </a:bodyPr>
-          <a:lstStyle/>
-          <a:p>
-            <a:r>
-              <a:rPr lang="en-US" dirty="0"/>
-              <a:t>Referee</a:t>
-            </a:r>
-            <a:br>
-              <a:rPr lang="en-US" dirty="0"/>
-            </a:br>
-            <a:r>
-              <a:rPr lang="en-US" dirty="0"/>
-              <a:t>Phone/Tablet</a:t>
-            </a:r>
-          </a:p>
-        </p:txBody>
-      </p:sp>
-      <p:sp>
-        <p:nvSpPr>
-          <p:cNvPr id="129" name="TextBox 128">
-            <a:extLst>
-              <a:ext uri="{FF2B5EF4-FFF2-40B4-BE49-F238E27FC236}">
-                <a16:creationId xmlns:a16="http://schemas.microsoft.com/office/drawing/2014/main" id="{BE5E34C6-8717-433B-8843-E4B12A7C146D}"/>
-              </a:ext>
-            </a:extLst>
-          </p:cNvPr>
-          <p:cNvSpPr txBox="1"/>
-          <p:nvPr/>
-        </p:nvSpPr>
-        <p:spPr>
-          <a:xfrm>
-            <a:off x="851843" y="4765759"/>
-            <a:ext cx="943720" cy="369332"/>
-          </a:xfrm>
-          <a:prstGeom prst="rect">
-            <a:avLst/>
-          </a:prstGeom>
-          <a:noFill/>
-        </p:spPr>
-        <p:txBody>
-          <a:bodyPr wrap="none" rtlCol="0">
-            <a:spAutoFit/>
-          </a:bodyPr>
-          <a:lstStyle/>
-          <a:p>
-            <a:r>
-              <a:rPr lang="en-US" dirty="0"/>
-              <a:t>Marshal</a:t>
-            </a:r>
-          </a:p>
-        </p:txBody>
-      </p:sp>
-      <p:sp>
-        <p:nvSpPr>
-          <p:cNvPr id="130" name="TextBox 129">
-            <a:extLst>
-              <a:ext uri="{FF2B5EF4-FFF2-40B4-BE49-F238E27FC236}">
-                <a16:creationId xmlns:a16="http://schemas.microsoft.com/office/drawing/2014/main" id="{51255E3D-D65B-44CD-BE13-9BD3F23D006B}"/>
-              </a:ext>
-            </a:extLst>
-          </p:cNvPr>
-          <p:cNvSpPr txBox="1"/>
-          <p:nvPr/>
-        </p:nvSpPr>
-        <p:spPr>
-          <a:xfrm>
-            <a:off x="4794294" y="4562016"/>
-            <a:ext cx="1220206" cy="369332"/>
-          </a:xfrm>
-          <a:prstGeom prst="rect">
-            <a:avLst/>
-          </a:prstGeom>
-          <a:noFill/>
-        </p:spPr>
-        <p:txBody>
-          <a:bodyPr wrap="none" rtlCol="0">
-            <a:spAutoFit/>
-          </a:bodyPr>
-          <a:lstStyle/>
-          <a:p>
-            <a:r>
-              <a:rPr lang="en-US" dirty="0"/>
-              <a:t>Announcer</a:t>
-            </a:r>
-          </a:p>
-        </p:txBody>
-      </p:sp>
-      <p:cxnSp>
-        <p:nvCxnSpPr>
-          <p:cNvPr id="135" name="Straight Arrow Connector 134">
-            <a:extLst>
-              <a:ext uri="{FF2B5EF4-FFF2-40B4-BE49-F238E27FC236}">
-                <a16:creationId xmlns:a16="http://schemas.microsoft.com/office/drawing/2014/main" id="{E3D4809F-46F2-45AB-9212-B21139D1E38C}"/>
-              </a:ext>
-            </a:extLst>
-          </p:cNvPr>
-          <p:cNvCxnSpPr>
-            <a:cxnSpLocks/>
-            <a:endCxn id="50" idx="1"/>
-          </p:cNvCxnSpPr>
-          <p:nvPr/>
-        </p:nvCxnSpPr>
-        <p:spPr>
-          <a:xfrm>
-            <a:off x="5896525" y="3989118"/>
-            <a:ext cx="763546" cy="0"/>
-          </a:xfrm>
-          <a:prstGeom prst="straightConnector1">
-            <a:avLst/>
-          </a:prstGeom>
-          <a:ln w="53975">
-            <a:tailEnd type="triangle"/>
-          </a:ln>
-        </p:spPr>
-        <p:style>
-          <a:lnRef idx="1">
-            <a:schemeClr val="accent1"/>
-          </a:lnRef>
-          <a:fillRef idx="0">
-            <a:schemeClr val="accent1"/>
-          </a:fillRef>
-          <a:effectRef idx="0">
-            <a:schemeClr val="accent1"/>
-          </a:effectRef>
-          <a:fontRef idx="minor">
-            <a:schemeClr val="tx1"/>
-          </a:fontRef>
-        </p:style>
-      </p:cxnSp>
-      <p:sp>
-        <p:nvSpPr>
-          <p:cNvPr id="138" name="TextBox 137">
-            <a:extLst>
-              <a:ext uri="{FF2B5EF4-FFF2-40B4-BE49-F238E27FC236}">
-                <a16:creationId xmlns:a16="http://schemas.microsoft.com/office/drawing/2014/main" id="{79F9B87A-2C2D-43BA-8A3D-63A48FBE7D79}"/>
-              </a:ext>
-            </a:extLst>
-          </p:cNvPr>
-          <p:cNvSpPr txBox="1"/>
-          <p:nvPr/>
-        </p:nvSpPr>
-        <p:spPr>
-          <a:xfrm>
-            <a:off x="4944951" y="4323136"/>
-            <a:ext cx="895502" cy="369332"/>
-          </a:xfrm>
-          <a:prstGeom prst="rect">
-            <a:avLst/>
-          </a:prstGeom>
-          <a:noFill/>
-        </p:spPr>
-        <p:txBody>
-          <a:bodyPr wrap="none" rtlCol="0">
-            <a:spAutoFit/>
-          </a:bodyPr>
-          <a:lstStyle/>
-          <a:p>
-            <a:r>
-              <a:rPr lang="en-US" dirty="0"/>
-              <a:t>owlcms</a:t>
-            </a:r>
-          </a:p>
-        </p:txBody>
-      </p:sp>
-      <p:sp>
-        <p:nvSpPr>
-          <p:cNvPr id="141" name="TextBox 140">
-            <a:extLst>
-              <a:ext uri="{FF2B5EF4-FFF2-40B4-BE49-F238E27FC236}">
-                <a16:creationId xmlns:a16="http://schemas.microsoft.com/office/drawing/2014/main" id="{FDFA73C4-2863-4475-A7A2-353585C96372}"/>
-              </a:ext>
-            </a:extLst>
-          </p:cNvPr>
-          <p:cNvSpPr txBox="1"/>
-          <p:nvPr/>
-        </p:nvSpPr>
-        <p:spPr>
-          <a:xfrm>
-            <a:off x="6406713" y="4309012"/>
-            <a:ext cx="1377493" cy="369332"/>
-          </a:xfrm>
-          <a:prstGeom prst="rect">
-            <a:avLst/>
-          </a:prstGeom>
-          <a:noFill/>
-        </p:spPr>
-        <p:txBody>
-          <a:bodyPr wrap="none" rtlCol="0">
-            <a:spAutoFit/>
-          </a:bodyPr>
-          <a:lstStyle/>
-          <a:p>
-            <a:r>
-              <a:rPr lang="en-US" dirty="0"/>
-              <a:t>publicresults</a:t>
-            </a:r>
-          </a:p>
-        </p:txBody>
-      </p:sp>
-      <p:cxnSp>
-        <p:nvCxnSpPr>
-          <p:cNvPr id="143" name="Connector: Curved 142">
-            <a:extLst>
-              <a:ext uri="{FF2B5EF4-FFF2-40B4-BE49-F238E27FC236}">
-                <a16:creationId xmlns:a16="http://schemas.microsoft.com/office/drawing/2014/main" id="{EA06EC34-A278-408E-A58E-B30BBF510876}"/>
-              </a:ext>
-            </a:extLst>
-          </p:cNvPr>
-          <p:cNvCxnSpPr>
-            <a:cxnSpLocks/>
-          </p:cNvCxnSpPr>
-          <p:nvPr/>
-        </p:nvCxnSpPr>
-        <p:spPr>
-          <a:xfrm flipV="1">
-            <a:off x="7552660" y="1492572"/>
-            <a:ext cx="140430" cy="2520962"/>
-          </a:xfrm>
-          <a:prstGeom prst="curvedConnector3">
-            <a:avLst>
-              <a:gd name="adj1" fmla="val 710446"/>
-            </a:avLst>
-          </a:prstGeom>
-          <a:ln>
-            <a:tailEnd type="triangle"/>
-          </a:ln>
-        </p:spPr>
-        <p:style>
-          <a:lnRef idx="1">
-            <a:schemeClr val="accent1"/>
-          </a:lnRef>
-          <a:fillRef idx="0">
-            <a:schemeClr val="accent1"/>
-          </a:fillRef>
-          <a:effectRef idx="0">
-            <a:schemeClr val="accent1"/>
-          </a:effectRef>
-          <a:fontRef idx="minor">
-            <a:schemeClr val="tx1"/>
-          </a:fontRef>
-        </p:style>
-      </p:cxnSp>
-      <p:pic>
-        <p:nvPicPr>
-          <p:cNvPr id="6" name="Graphic 5" descr="Smart Phone">
-            <a:extLst>
-              <a:ext uri="{FF2B5EF4-FFF2-40B4-BE49-F238E27FC236}">
-                <a16:creationId xmlns:a16="http://schemas.microsoft.com/office/drawing/2014/main" id="{BED10CFA-E443-9C81-0F68-A9E8C92D5B0A}"/>
-              </a:ext>
-            </a:extLst>
-          </p:cNvPr>
-          <p:cNvPicPr>
-            <a:picLocks noChangeAspect="1"/>
-          </p:cNvPicPr>
-          <p:nvPr/>
-        </p:nvPicPr>
-        <p:blipFill>
-          <a:blip r:embed="rId2">
-            <a:extLst>
-              <a:ext uri="{28A0092B-C50C-407E-A947-70E740481C1C}">
-                <a14:useLocalDpi xmlns:a14="http://schemas.microsoft.com/office/drawing/2010/main" val="0"/>
-              </a:ext>
-              <a:ext uri="{96DAC541-7B7A-43D3-8B79-37D633B846F1}">
-                <asvg:svgBlip xmlns:asvg="http://schemas.microsoft.com/office/drawing/2016/SVG/main" r:embed="rId3"/>
-              </a:ext>
-            </a:extLst>
-          </a:blip>
-          <a:stretch>
-            <a:fillRect/>
-          </a:stretch>
-        </p:blipFill>
-        <p:spPr>
-          <a:xfrm>
-            <a:off x="7173421" y="1242001"/>
-            <a:ext cx="457200" cy="457200"/>
-          </a:xfrm>
-          <a:prstGeom prst="rect">
-            <a:avLst/>
-          </a:prstGeom>
-        </p:spPr>
-      </p:pic>
-      <p:sp>
-        <p:nvSpPr>
-          <p:cNvPr id="45" name="TextBox 44">
-            <a:extLst>
-              <a:ext uri="{FF2B5EF4-FFF2-40B4-BE49-F238E27FC236}">
-                <a16:creationId xmlns:a16="http://schemas.microsoft.com/office/drawing/2014/main" id="{F4AB2A22-B940-7C0F-21F5-630FF00120BD}"/>
-              </a:ext>
-            </a:extLst>
-          </p:cNvPr>
-          <p:cNvSpPr txBox="1"/>
-          <p:nvPr/>
-        </p:nvSpPr>
-        <p:spPr>
-          <a:xfrm>
-            <a:off x="7015445" y="1652200"/>
-            <a:ext cx="840295" cy="430887"/>
-          </a:xfrm>
-          <a:prstGeom prst="rect">
-            <a:avLst/>
-          </a:prstGeom>
-          <a:noFill/>
-        </p:spPr>
-        <p:txBody>
-          <a:bodyPr wrap="none" rtlCol="0">
-            <a:spAutoFit/>
-          </a:bodyPr>
-          <a:lstStyle/>
-          <a:p>
-            <a:pPr algn="ctr"/>
-            <a:r>
-              <a:rPr lang="en-US" sz="1050" dirty="0"/>
-              <a:t>Internet</a:t>
-            </a:r>
-            <a:br>
-              <a:rPr lang="en-US" sz="1050" dirty="0"/>
-            </a:br>
-            <a:r>
-              <a:rPr lang="en-US" sz="1050" dirty="0"/>
-              <a:t>Scoreboard</a:t>
-            </a:r>
-          </a:p>
-        </p:txBody>
-      </p:sp>
-      <p:pic>
-        <p:nvPicPr>
-          <p:cNvPr id="50" name="Graphic 49" descr="Server">
-            <a:extLst>
-              <a:ext uri="{FF2B5EF4-FFF2-40B4-BE49-F238E27FC236}">
-                <a16:creationId xmlns:a16="http://schemas.microsoft.com/office/drawing/2014/main" id="{B8C8395B-044C-245A-B324-865A6E687529}"/>
-              </a:ext>
-            </a:extLst>
-          </p:cNvPr>
-          <p:cNvPicPr>
-            <a:picLocks noChangeAspect="1"/>
-          </p:cNvPicPr>
-          <p:nvPr/>
-        </p:nvPicPr>
-        <p:blipFill>
-          <a:blip r:embed="rId6">
-            <a:extLst>
-              <a:ext uri="{28A0092B-C50C-407E-A947-70E740481C1C}">
-                <a14:useLocalDpi xmlns:a14="http://schemas.microsoft.com/office/drawing/2010/main" val="0"/>
-              </a:ext>
-              <a:ext uri="{96DAC541-7B7A-43D3-8B79-37D633B846F1}">
-                <asvg:svgBlip xmlns:asvg="http://schemas.microsoft.com/office/drawing/2016/SVG/main" r:embed="rId7"/>
-              </a:ext>
-            </a:extLst>
-          </a:blip>
-          <a:stretch>
-            <a:fillRect/>
-          </a:stretch>
-        </p:blipFill>
-        <p:spPr>
-          <a:xfrm>
-            <a:off x="6660071" y="3531918"/>
-            <a:ext cx="914400" cy="914400"/>
-          </a:xfrm>
-          <a:prstGeom prst="rect">
-            <a:avLst/>
-          </a:prstGeom>
-        </p:spPr>
-      </p:pic>
-      <p:pic>
-        <p:nvPicPr>
-          <p:cNvPr id="51" name="Graphic 50" descr="Laptop">
-            <a:extLst>
-              <a:ext uri="{FF2B5EF4-FFF2-40B4-BE49-F238E27FC236}">
-                <a16:creationId xmlns:a16="http://schemas.microsoft.com/office/drawing/2014/main" id="{A8C128B9-2F5C-662F-6DB5-EA640659F291}"/>
-              </a:ext>
-            </a:extLst>
-          </p:cNvPr>
-          <p:cNvPicPr>
-            <a:picLocks noChangeAspect="1"/>
-          </p:cNvPicPr>
-          <p:nvPr/>
-        </p:nvPicPr>
-        <p:blipFill>
-          <a:blip r:embed="rId8">
-            <a:extLst>
-              <a:ext uri="{28A0092B-C50C-407E-A947-70E740481C1C}">
-                <a14:useLocalDpi xmlns:a14="http://schemas.microsoft.com/office/drawing/2010/main" val="0"/>
-              </a:ext>
-              <a:ext uri="{96DAC541-7B7A-43D3-8B79-37D633B846F1}">
-                <asvg:svgBlip xmlns:asvg="http://schemas.microsoft.com/office/drawing/2016/SVG/main" r:embed="rId9"/>
-              </a:ext>
-            </a:extLst>
-          </a:blip>
-          <a:stretch>
-            <a:fillRect/>
-          </a:stretch>
-        </p:blipFill>
-        <p:spPr>
-          <a:xfrm>
-            <a:off x="4899033" y="3575098"/>
-            <a:ext cx="914400" cy="914400"/>
-          </a:xfrm>
-          <a:prstGeom prst="rect">
-            <a:avLst/>
-          </a:prstGeom>
-        </p:spPr>
-      </p:pic>
-      <p:pic>
-        <p:nvPicPr>
-          <p:cNvPr id="52" name="Graphic 51" descr="Laptop">
-            <a:extLst>
-              <a:ext uri="{FF2B5EF4-FFF2-40B4-BE49-F238E27FC236}">
-                <a16:creationId xmlns:a16="http://schemas.microsoft.com/office/drawing/2014/main" id="{BE03494D-48F4-A347-0BEF-5BC01EC48D00}"/>
-              </a:ext>
-            </a:extLst>
-          </p:cNvPr>
-          <p:cNvPicPr>
-            <a:picLocks noChangeAspect="1"/>
-          </p:cNvPicPr>
-          <p:nvPr/>
-        </p:nvPicPr>
-        <p:blipFill>
-          <a:blip r:embed="rId4">
-            <a:extLst>
-              <a:ext uri="{28A0092B-C50C-407E-A947-70E740481C1C}">
-                <a14:useLocalDpi xmlns:a14="http://schemas.microsoft.com/office/drawing/2010/main" val="0"/>
-              </a:ext>
-              <a:ext uri="{96DAC541-7B7A-43D3-8B79-37D633B846F1}">
-                <asvg:svgBlip xmlns:asvg="http://schemas.microsoft.com/office/drawing/2016/SVG/main" r:embed="rId5"/>
-              </a:ext>
-            </a:extLst>
-          </a:blip>
-          <a:stretch>
-            <a:fillRect/>
-          </a:stretch>
-        </p:blipFill>
-        <p:spPr>
-          <a:xfrm>
-            <a:off x="1110219" y="864783"/>
-            <a:ext cx="914400" cy="914400"/>
-          </a:xfrm>
-          <a:prstGeom prst="rect">
-            <a:avLst/>
-          </a:prstGeom>
-        </p:spPr>
-      </p:pic>
-      <p:pic>
-        <p:nvPicPr>
-          <p:cNvPr id="53" name="Graphic 52" descr="Laptop">
-            <a:extLst>
-              <a:ext uri="{FF2B5EF4-FFF2-40B4-BE49-F238E27FC236}">
-                <a16:creationId xmlns:a16="http://schemas.microsoft.com/office/drawing/2014/main" id="{F38B6777-7816-A8E9-7C01-1E76F0E06ACF}"/>
-              </a:ext>
-            </a:extLst>
-          </p:cNvPr>
-          <p:cNvPicPr>
-            <a:picLocks noChangeAspect="1"/>
-          </p:cNvPicPr>
-          <p:nvPr/>
-        </p:nvPicPr>
-        <p:blipFill>
-          <a:blip r:embed="rId4">
-            <a:extLst>
-              <a:ext uri="{28A0092B-C50C-407E-A947-70E740481C1C}">
-                <a14:useLocalDpi xmlns:a14="http://schemas.microsoft.com/office/drawing/2010/main" val="0"/>
-              </a:ext>
-              <a:ext uri="{96DAC541-7B7A-43D3-8B79-37D633B846F1}">
-                <asvg:svgBlip xmlns:asvg="http://schemas.microsoft.com/office/drawing/2016/SVG/main" r:embed="rId5"/>
-              </a:ext>
-            </a:extLst>
-          </a:blip>
-          <a:stretch>
-            <a:fillRect/>
-          </a:stretch>
-        </p:blipFill>
-        <p:spPr>
-          <a:xfrm>
-            <a:off x="2398127" y="875842"/>
-            <a:ext cx="914400" cy="914400"/>
-          </a:xfrm>
-          <a:prstGeom prst="rect">
-            <a:avLst/>
-          </a:prstGeom>
-        </p:spPr>
-      </p:pic>
-      <p:sp>
-        <p:nvSpPr>
           <p:cNvPr id="2" name="Rectangle 1">
             <a:extLst>
               <a:ext uri="{FF2B5EF4-FFF2-40B4-BE49-F238E27FC236}">
@@ -7480,8 +7550,8 @@
         </p:nvSpPr>
         <p:spPr>
           <a:xfrm>
-            <a:off x="270588" y="501110"/>
-            <a:ext cx="5775436" cy="5492108"/>
+            <a:off x="298581" y="501110"/>
+            <a:ext cx="3516861" cy="5492108"/>
           </a:xfrm>
           <a:prstGeom prst="rect">
             <a:avLst/>
@@ -7527,7 +7597,7 @@
         </p:nvSpPr>
         <p:spPr>
           <a:xfrm>
-            <a:off x="194888" y="178613"/>
+            <a:off x="285498" y="5617520"/>
             <a:ext cx="2484016" cy="369332"/>
           </a:xfrm>
           <a:prstGeom prst="rect">
@@ -7548,10 +7618,268 @@
           </a:p>
         </p:txBody>
       </p:sp>
+      <p:sp>
+        <p:nvSpPr>
+          <p:cNvPr id="5" name="TextBox 4">
+            <a:extLst>
+              <a:ext uri="{FF2B5EF4-FFF2-40B4-BE49-F238E27FC236}">
+                <a16:creationId xmlns:a16="http://schemas.microsoft.com/office/drawing/2014/main" id="{E88597B3-9330-A16B-795F-4C465CAEF8C9}"/>
+              </a:ext>
+            </a:extLst>
+          </p:cNvPr>
+          <p:cNvSpPr txBox="1"/>
+          <p:nvPr/>
+        </p:nvSpPr>
+        <p:spPr>
+          <a:xfrm>
+            <a:off x="809016" y="2460195"/>
+            <a:ext cx="1110898" cy="369332"/>
+          </a:xfrm>
+          <a:prstGeom prst="rect">
+            <a:avLst/>
+          </a:prstGeom>
+          <a:noFill/>
+        </p:spPr>
+        <p:txBody>
+          <a:bodyPr wrap="square">
+            <a:spAutoFit/>
+          </a:bodyPr>
+          <a:lstStyle/>
+          <a:p>
+            <a:r>
+              <a:rPr lang="en-US" dirty="0"/>
+              <a:t>Referees</a:t>
+            </a:r>
+            <a:endParaRPr lang="en-CA" dirty="0"/>
+          </a:p>
+        </p:txBody>
+      </p:sp>
+      <p:sp>
+        <p:nvSpPr>
+          <p:cNvPr id="8" name="TextBox 7">
+            <a:extLst>
+              <a:ext uri="{FF2B5EF4-FFF2-40B4-BE49-F238E27FC236}">
+                <a16:creationId xmlns:a16="http://schemas.microsoft.com/office/drawing/2014/main" id="{3804DF01-C511-ED65-9989-F44F7AB2163E}"/>
+              </a:ext>
+            </a:extLst>
+          </p:cNvPr>
+          <p:cNvSpPr txBox="1"/>
+          <p:nvPr/>
+        </p:nvSpPr>
+        <p:spPr>
+          <a:xfrm>
+            <a:off x="2798349" y="4375468"/>
+            <a:ext cx="895502" cy="369332"/>
+          </a:xfrm>
+          <a:prstGeom prst="rect">
+            <a:avLst/>
+          </a:prstGeom>
+          <a:noFill/>
+        </p:spPr>
+        <p:txBody>
+          <a:bodyPr wrap="none" rtlCol="0">
+            <a:spAutoFit/>
+          </a:bodyPr>
+          <a:lstStyle/>
+          <a:p>
+            <a:r>
+              <a:rPr lang="en-US" dirty="0"/>
+              <a:t>owlcms</a:t>
+            </a:r>
+          </a:p>
+        </p:txBody>
+      </p:sp>
+      <p:sp>
+        <p:nvSpPr>
+          <p:cNvPr id="10" name="TextBox 9">
+            <a:extLst>
+              <a:ext uri="{FF2B5EF4-FFF2-40B4-BE49-F238E27FC236}">
+                <a16:creationId xmlns:a16="http://schemas.microsoft.com/office/drawing/2014/main" id="{EF31240E-65D8-199E-85D1-677B4950C62B}"/>
+              </a:ext>
+            </a:extLst>
+          </p:cNvPr>
+          <p:cNvSpPr txBox="1"/>
+          <p:nvPr/>
+        </p:nvSpPr>
+        <p:spPr>
+          <a:xfrm>
+            <a:off x="2642248" y="4665350"/>
+            <a:ext cx="1220206" cy="369332"/>
+          </a:xfrm>
+          <a:prstGeom prst="rect">
+            <a:avLst/>
+          </a:prstGeom>
+          <a:noFill/>
+        </p:spPr>
+        <p:txBody>
+          <a:bodyPr wrap="none" rtlCol="0">
+            <a:spAutoFit/>
+          </a:bodyPr>
+          <a:lstStyle/>
+          <a:p>
+            <a:r>
+              <a:rPr lang="en-US" dirty="0"/>
+              <a:t>Announcer</a:t>
+            </a:r>
+          </a:p>
+        </p:txBody>
+      </p:sp>
+      <p:pic>
+        <p:nvPicPr>
+          <p:cNvPr id="11" name="Graphic 10" descr="Laptop">
+            <a:extLst>
+              <a:ext uri="{FF2B5EF4-FFF2-40B4-BE49-F238E27FC236}">
+                <a16:creationId xmlns:a16="http://schemas.microsoft.com/office/drawing/2014/main" id="{032C1AB0-6E58-5751-7C29-79736D414132}"/>
+              </a:ext>
+            </a:extLst>
+          </p:cNvPr>
+          <p:cNvPicPr>
+            <a:picLocks noChangeAspect="1"/>
+          </p:cNvPicPr>
+          <p:nvPr/>
+        </p:nvPicPr>
+        <p:blipFill>
+          <a:blip r:embed="rId4">
+            <a:extLst>
+              <a:ext uri="{28A0092B-C50C-407E-A947-70E740481C1C}">
+                <a14:useLocalDpi xmlns:a14="http://schemas.microsoft.com/office/drawing/2010/main" val="0"/>
+              </a:ext>
+              <a:ext uri="{96DAC541-7B7A-43D3-8B79-37D633B846F1}">
+                <asvg:svgBlip xmlns:asvg="http://schemas.microsoft.com/office/drawing/2016/SVG/main" r:embed="rId5"/>
+              </a:ext>
+            </a:extLst>
+          </a:blip>
+          <a:stretch>
+            <a:fillRect/>
+          </a:stretch>
+        </p:blipFill>
+        <p:spPr>
+          <a:xfrm>
+            <a:off x="2788900" y="3620508"/>
+            <a:ext cx="914400" cy="914400"/>
+          </a:xfrm>
+          <a:prstGeom prst="rect">
+            <a:avLst/>
+          </a:prstGeom>
+        </p:spPr>
+      </p:pic>
+      <p:pic>
+        <p:nvPicPr>
+          <p:cNvPr id="14" name="Graphic 13" descr="Laptop">
+            <a:extLst>
+              <a:ext uri="{FF2B5EF4-FFF2-40B4-BE49-F238E27FC236}">
+                <a16:creationId xmlns:a16="http://schemas.microsoft.com/office/drawing/2014/main" id="{26507636-5BF9-A566-551D-88347A7A8AE5}"/>
+              </a:ext>
+            </a:extLst>
+          </p:cNvPr>
+          <p:cNvPicPr>
+            <a:picLocks noChangeAspect="1"/>
+          </p:cNvPicPr>
+          <p:nvPr/>
+        </p:nvPicPr>
+        <p:blipFill>
+          <a:blip r:embed="rId6">
+            <a:extLst>
+              <a:ext uri="{28A0092B-C50C-407E-A947-70E740481C1C}">
+                <a14:useLocalDpi xmlns:a14="http://schemas.microsoft.com/office/drawing/2010/main" val="0"/>
+              </a:ext>
+              <a:ext uri="{96DAC541-7B7A-43D3-8B79-37D633B846F1}">
+                <asvg:svgBlip xmlns:asvg="http://schemas.microsoft.com/office/drawing/2016/SVG/main" r:embed="rId7"/>
+              </a:ext>
+            </a:extLst>
+          </a:blip>
+          <a:stretch>
+            <a:fillRect/>
+          </a:stretch>
+        </p:blipFill>
+        <p:spPr>
+          <a:xfrm>
+            <a:off x="418575" y="921360"/>
+            <a:ext cx="914400" cy="914400"/>
+          </a:xfrm>
+          <a:prstGeom prst="rect">
+            <a:avLst/>
+          </a:prstGeom>
+        </p:spPr>
+      </p:pic>
+      <p:pic>
+        <p:nvPicPr>
+          <p:cNvPr id="16" name="Graphic 15" descr="Laptop">
+            <a:extLst>
+              <a:ext uri="{FF2B5EF4-FFF2-40B4-BE49-F238E27FC236}">
+                <a16:creationId xmlns:a16="http://schemas.microsoft.com/office/drawing/2014/main" id="{25EE337F-0466-5516-42EF-B6DFEECC71A4}"/>
+              </a:ext>
+            </a:extLst>
+          </p:cNvPr>
+          <p:cNvPicPr>
+            <a:picLocks noChangeAspect="1"/>
+          </p:cNvPicPr>
+          <p:nvPr/>
+        </p:nvPicPr>
+        <p:blipFill>
+          <a:blip r:embed="rId6">
+            <a:extLst>
+              <a:ext uri="{28A0092B-C50C-407E-A947-70E740481C1C}">
+                <a14:useLocalDpi xmlns:a14="http://schemas.microsoft.com/office/drawing/2010/main" val="0"/>
+              </a:ext>
+              <a:ext uri="{96DAC541-7B7A-43D3-8B79-37D633B846F1}">
+                <asvg:svgBlip xmlns:asvg="http://schemas.microsoft.com/office/drawing/2016/SVG/main" r:embed="rId7"/>
+              </a:ext>
+            </a:extLst>
+          </a:blip>
+          <a:stretch>
+            <a:fillRect/>
+          </a:stretch>
+        </p:blipFill>
+        <p:spPr>
+          <a:xfrm>
+            <a:off x="1573858" y="926226"/>
+            <a:ext cx="914400" cy="914400"/>
+          </a:xfrm>
+          <a:prstGeom prst="rect">
+            <a:avLst/>
+          </a:prstGeom>
+        </p:spPr>
+      </p:pic>
+      <p:sp>
+        <p:nvSpPr>
+          <p:cNvPr id="17" name="TextBox 16">
+            <a:extLst>
+              <a:ext uri="{FF2B5EF4-FFF2-40B4-BE49-F238E27FC236}">
+                <a16:creationId xmlns:a16="http://schemas.microsoft.com/office/drawing/2014/main" id="{4D9D5D71-B661-8324-CDBF-C6D9B3553601}"/>
+              </a:ext>
+            </a:extLst>
+          </p:cNvPr>
+          <p:cNvSpPr txBox="1"/>
+          <p:nvPr/>
+        </p:nvSpPr>
+        <p:spPr>
+          <a:xfrm>
+            <a:off x="1027765" y="766481"/>
+            <a:ext cx="942887" cy="369332"/>
+          </a:xfrm>
+          <a:prstGeom prst="rect">
+            <a:avLst/>
+          </a:prstGeom>
+          <a:noFill/>
+        </p:spPr>
+        <p:txBody>
+          <a:bodyPr wrap="none" rtlCol="0">
+            <a:spAutoFit/>
+          </a:bodyPr>
+          <a:lstStyle/>
+          <a:p>
+            <a:r>
+              <a:rPr lang="en-US" dirty="0"/>
+              <a:t>Displays</a:t>
+            </a:r>
+          </a:p>
+        </p:txBody>
+      </p:sp>
     </p:spTree>
     <p:extLst>
       <p:ext uri="{BB962C8B-B14F-4D97-AF65-F5344CB8AC3E}">
-        <p14:creationId xmlns:p14="http://schemas.microsoft.com/office/powerpoint/2010/main" val="2552713568"/>
+        <p14:creationId xmlns:p14="http://schemas.microsoft.com/office/powerpoint/2010/main" val="3249041990"/>
       </p:ext>
     </p:extLst>
   </p:cSld>
